--- a/presentation-components/rss_advanced_text_processing.pptx
+++ b/presentation-components/rss_advanced_text_processing.pptx
@@ -5,29 +5,32 @@
     <p:sldMasterId id="2147483659" r:id="rId1"/>
   </p:sldMasterIdLst>
   <p:notesMasterIdLst>
-    <p:notesMasterId r:id="rId5"/>
+    <p:notesMasterId r:id="rId8"/>
   </p:notesMasterIdLst>
   <p:sldIdLst>
-    <p:sldId id="266" r:id="rId2"/>
-    <p:sldId id="267" r:id="rId3"/>
-    <p:sldId id="268" r:id="rId4"/>
+    <p:sldId id="271" r:id="rId2"/>
+    <p:sldId id="266" r:id="rId3"/>
+    <p:sldId id="267" r:id="rId4"/>
+    <p:sldId id="268" r:id="rId5"/>
+    <p:sldId id="269" r:id="rId6"/>
+    <p:sldId id="270" r:id="rId7"/>
   </p:sldIdLst>
   <p:sldSz cx="9144000" cy="5143500" type="screen16x9"/>
   <p:notesSz cx="6858000" cy="9144000"/>
   <p:embeddedFontLst>
     <p:embeddedFont>
       <p:font typeface="Lato" panose="020B0604020202020204" charset="0"/>
-      <p:regular r:id="rId6"/>
-      <p:bold r:id="rId7"/>
-      <p:italic r:id="rId8"/>
-      <p:boldItalic r:id="rId9"/>
+      <p:regular r:id="rId9"/>
+      <p:bold r:id="rId10"/>
+      <p:italic r:id="rId11"/>
+      <p:boldItalic r:id="rId12"/>
     </p:embeddedFont>
     <p:embeddedFont>
       <p:font typeface="Raleway" panose="020B0604020202020204" charset="0"/>
-      <p:regular r:id="rId10"/>
-      <p:bold r:id="rId11"/>
-      <p:italic r:id="rId12"/>
-      <p:boldItalic r:id="rId13"/>
+      <p:regular r:id="rId13"/>
+      <p:bold r:id="rId14"/>
+      <p:italic r:id="rId15"/>
+      <p:boldItalic r:id="rId16"/>
     </p:embeddedFont>
   </p:embeddedFontLst>
   <p:defaultTextStyle>
@@ -738,7 +741,7 @@
       </p:grpSpPr>
       <p:sp>
         <p:nvSpPr>
-          <p:cNvPr id="156" name="Google Shape;156;ga6eb5658d5_1_0:notes"/>
+          <p:cNvPr id="156" name="Google Shape;156;ga704c576c7_0_36:notes"/>
           <p:cNvSpPr>
             <a:spLocks noGrp="1" noRot="1" noChangeAspect="1"/>
           </p:cNvSpPr>
@@ -779,7 +782,7 @@
       </p:sp>
       <p:sp>
         <p:nvSpPr>
-          <p:cNvPr id="157" name="Google Shape;157;ga6eb5658d5_1_0:notes"/>
+          <p:cNvPr id="157" name="Google Shape;157;ga704c576c7_0_36:notes"/>
           <p:cNvSpPr txBox="1">
             <a:spLocks noGrp="1"/>
           </p:cNvSpPr>
@@ -802,71 +805,15 @@
           </a:bodyPr>
           <a:lstStyle/>
           <a:p>
-            <a:pPr marL="457200" lvl="0" indent="-298450" algn="l" rtl="0">
-              <a:spcBef>
-                <a:spcPts val="0"/>
-              </a:spcBef>
-              <a:spcAft>
-                <a:spcPts val="0"/>
-              </a:spcAft>
-              <a:buSzPts val="1100"/>
-              <a:buChar char="-"/>
+            <a:pPr marL="0" lvl="0" indent="0" algn="l" rtl="0">
+              <a:spcBef>
+                <a:spcPts val="0"/>
+              </a:spcBef>
+              <a:spcAft>
+                <a:spcPts val="0"/>
+              </a:spcAft>
+              <a:buNone/>
             </a:pPr>
-            <a:r>
-              <a:rPr lang="zh-CN"/>
-              <a:t>Term frequency depends on the frequency of a word in the current article.</a:t>
-            </a:r>
-            <a:endParaRPr/>
-          </a:p>
-          <a:p>
-            <a:pPr marL="457200" lvl="0" indent="-298450" algn="l" rtl="0">
-              <a:spcBef>
-                <a:spcPts val="0"/>
-              </a:spcBef>
-              <a:spcAft>
-                <a:spcPts val="0"/>
-              </a:spcAft>
-              <a:buSzPts val="1100"/>
-              <a:buChar char="-"/>
-            </a:pPr>
-            <a:r>
-              <a:rPr lang="zh-CN"/>
-              <a:t>Use sklearn’s TfidfVectorizer to get the word representation of the data</a:t>
-            </a:r>
-            <a:endParaRPr/>
-          </a:p>
-          <a:p>
-            <a:pPr marL="457200" lvl="0" indent="-298450" algn="l" rtl="0">
-              <a:spcBef>
-                <a:spcPts val="0"/>
-              </a:spcBef>
-              <a:spcAft>
-                <a:spcPts val="0"/>
-              </a:spcAft>
-              <a:buSzPts val="1100"/>
-              <a:buChar char="-"/>
-            </a:pPr>
-            <a:r>
-              <a:rPr lang="zh-CN"/>
-              <a:t>Combined title and text of article as they are related</a:t>
-            </a:r>
-            <a:endParaRPr/>
-          </a:p>
-          <a:p>
-            <a:pPr marL="457200" lvl="0" indent="-298450" algn="l" rtl="0">
-              <a:spcBef>
-                <a:spcPts val="0"/>
-              </a:spcBef>
-              <a:spcAft>
-                <a:spcPts val="0"/>
-              </a:spcAft>
-              <a:buSzPts val="1100"/>
-              <a:buChar char="-"/>
-            </a:pPr>
-            <a:r>
-              <a:rPr lang="zh-CN"/>
-              <a:t>Each cell represents the frequency of the corresponding word in the article</a:t>
-            </a:r>
             <a:endParaRPr/>
           </a:p>
         </p:txBody>
@@ -884,7 +831,7 @@
   <p:cSld>
     <p:spTree>
       <p:nvGrpSpPr>
-        <p:cNvPr id="1" name="Shape 162"/>
+        <p:cNvPr id="1" name="Shape 167"/>
         <p:cNvGrpSpPr/>
         <p:nvPr/>
       </p:nvGrpSpPr>
@@ -898,7 +845,7 @@
       </p:grpSpPr>
       <p:sp>
         <p:nvSpPr>
-          <p:cNvPr id="163" name="Google Shape;163;ga6eb5658d5_1_6:notes"/>
+          <p:cNvPr id="168" name="Google Shape;168;ga704c576c7_0_0:notes"/>
           <p:cNvSpPr>
             <a:spLocks noGrp="1" noRot="1" noChangeAspect="1"/>
           </p:cNvSpPr>
@@ -939,7 +886,7 @@
       </p:sp>
       <p:sp>
         <p:nvSpPr>
-          <p:cNvPr id="164" name="Google Shape;164;ga6eb5658d5_1_6:notes"/>
+          <p:cNvPr id="169" name="Google Shape;169;ga704c576c7_0_0:notes"/>
           <p:cNvSpPr txBox="1">
             <a:spLocks noGrp="1"/>
           </p:cNvSpPr>
@@ -962,102 +909,16 @@
           </a:bodyPr>
           <a:lstStyle/>
           <a:p>
-            <a:pPr marL="457200" lvl="0" indent="-298450" algn="l" rtl="0">
-              <a:spcBef>
-                <a:spcPts val="0"/>
-              </a:spcBef>
-              <a:spcAft>
-                <a:spcPts val="0"/>
-              </a:spcAft>
-              <a:buSzPts val="1100"/>
-              <a:buChar char="-"/>
+            <a:pPr marL="0" lvl="0" indent="0" algn="l" rtl="0">
+              <a:spcBef>
+                <a:spcPts val="0"/>
+              </a:spcBef>
+              <a:spcAft>
+                <a:spcPts val="0"/>
+              </a:spcAft>
+              <a:buNone/>
             </a:pPr>
-            <a:r>
-              <a:rPr lang="zh-CN" sz="1050" dirty="0">
-                <a:solidFill>
-                  <a:schemeClr val="dk1"/>
-                </a:solidFill>
-                <a:highlight>
-                  <a:srgbClr val="FFFFFF"/>
-                </a:highlight>
-              </a:rPr>
-              <a:t>Using TF is problematic because words that are frequent but not necessarily useful (e.g. the) will have a high score. TF-IDF, combines TF and IDF, which measures the how rare a word is across articles to solve the limitation.</a:t>
-            </a:r>
-            <a:endParaRPr sz="1050" dirty="0">
-              <a:solidFill>
-                <a:schemeClr val="dk1"/>
-              </a:solidFill>
-              <a:highlight>
-                <a:srgbClr val="FFFFFF"/>
-              </a:highlight>
-            </a:endParaRPr>
-          </a:p>
-          <a:p>
-            <a:pPr marL="457200" lvl="0" indent="-295275" algn="l" rtl="0">
-              <a:spcBef>
-                <a:spcPts val="0"/>
-              </a:spcBef>
-              <a:spcAft>
-                <a:spcPts val="0"/>
-              </a:spcAft>
-              <a:buClr>
-                <a:schemeClr val="dk1"/>
-              </a:buClr>
-              <a:buSzPts val="1050"/>
-              <a:buChar char="-"/>
-            </a:pPr>
-            <a:r>
-              <a:rPr lang="zh-CN" sz="1050" dirty="0">
-                <a:solidFill>
-                  <a:schemeClr val="dk1"/>
-                </a:solidFill>
-                <a:highlight>
-                  <a:srgbClr val="FFFFFF"/>
-                </a:highlight>
-              </a:rPr>
-              <a:t>Uses the same model as TF (</a:t>
-            </a:r>
-            <a:r>
-              <a:rPr lang="zh-CN" dirty="0">
-                <a:solidFill>
-                  <a:schemeClr val="dk1"/>
-                </a:solidFill>
-              </a:rPr>
-              <a:t>TfidfVectorizer) with is_idf parameter set to true</a:t>
-            </a:r>
-            <a:endParaRPr dirty="0">
-              <a:solidFill>
-                <a:schemeClr val="dk1"/>
-              </a:solidFill>
-            </a:endParaRPr>
-          </a:p>
-          <a:p>
-            <a:pPr marL="457200" lvl="0" indent="-298450" algn="l" rtl="0">
-              <a:spcBef>
-                <a:spcPts val="0"/>
-              </a:spcBef>
-              <a:spcAft>
-                <a:spcPts val="0"/>
-              </a:spcAft>
-              <a:buClr>
-                <a:schemeClr val="dk1"/>
-              </a:buClr>
-              <a:buSzPts val="1100"/>
-              <a:buChar char="-"/>
-            </a:pPr>
-            <a:r>
-              <a:rPr lang="zh-CN" dirty="0">
-                <a:solidFill>
-                  <a:schemeClr val="dk1"/>
-                </a:solidFill>
-              </a:rPr>
-              <a:t>If the features being represented are quite different, vectorize them separately</a:t>
-            </a:r>
-            <a:endParaRPr dirty="0">
-              <a:solidFill>
-                <a:schemeClr val="dk1"/>
-              </a:solidFill>
-            </a:endParaRPr>
+            <a:endParaRPr/>
           </a:p>
         </p:txBody>
       </p:sp>
@@ -1074,7 +935,7 @@
   <p:cSld>
     <p:spTree>
       <p:nvGrpSpPr>
-        <p:cNvPr id="1" name="Shape 169"/>
+        <p:cNvPr id="1" name="Shape 173"/>
         <p:cNvGrpSpPr/>
         <p:nvPr/>
       </p:nvGrpSpPr>
@@ -1088,7 +949,7 @@
       </p:grpSpPr>
       <p:sp>
         <p:nvSpPr>
-          <p:cNvPr id="170" name="Google Shape;170;ga6eb5658d5_1_11:notes"/>
+          <p:cNvPr id="174" name="Google Shape;174;ga704c576c7_0_5:notes"/>
           <p:cNvSpPr>
             <a:spLocks noGrp="1" noRot="1" noChangeAspect="1"/>
           </p:cNvSpPr>
@@ -1129,7 +990,7 @@
       </p:sp>
       <p:sp>
         <p:nvSpPr>
-          <p:cNvPr id="171" name="Google Shape;171;ga6eb5658d5_1_11:notes"/>
+          <p:cNvPr id="175" name="Google Shape;175;ga704c576c7_0_5:notes"/>
           <p:cNvSpPr txBox="1">
             <a:spLocks noGrp="1"/>
           </p:cNvSpPr>
@@ -1152,137 +1013,224 @@
           </a:bodyPr>
           <a:lstStyle/>
           <a:p>
-            <a:pPr marL="457200" lvl="0" indent="-298450" algn="l" rtl="0">
-              <a:spcBef>
-                <a:spcPts val="0"/>
-              </a:spcBef>
-              <a:spcAft>
-                <a:spcPts val="0"/>
-              </a:spcAft>
-              <a:buSzPts val="1100"/>
-              <a:buChar char="-"/>
+            <a:pPr marL="0" lvl="0" indent="0" algn="l" rtl="0">
+              <a:spcBef>
+                <a:spcPts val="0"/>
+              </a:spcBef>
+              <a:spcAft>
+                <a:spcPts val="0"/>
+              </a:spcAft>
+              <a:buNone/>
             </a:pPr>
-            <a:r>
-              <a:rPr lang="zh-CN" sz="1050">
-                <a:solidFill>
-                  <a:schemeClr val="dk1"/>
-                </a:solidFill>
-                <a:highlight>
-                  <a:srgbClr val="FFFFFF"/>
-                </a:highlight>
-              </a:rPr>
-              <a:t>Word embedding techniques represents each word as a vector, in such a way that the context of the word is captured by that representation. That is, vector representation of words that are used in similar ways (e.g. mother, and father) are closer in the vector space.</a:t>
-            </a:r>
-            <a:endParaRPr sz="1050">
-              <a:solidFill>
-                <a:schemeClr val="dk1"/>
-              </a:solidFill>
-              <a:highlight>
-                <a:srgbClr val="FFFFFF"/>
-              </a:highlight>
-            </a:endParaRPr>
+            <a:endParaRPr/>
           </a:p>
+        </p:txBody>
+      </p:sp>
+    </p:spTree>
+  </p:cSld>
+  <p:clrMapOvr>
+    <a:masterClrMapping/>
+  </p:clrMapOvr>
+</p:notes>
+</file>
+
+<file path=ppt/notesSlides/notesSlide4.xml><?xml version="1.0" encoding="utf-8"?>
+<p:notes xmlns:a="http://schemas.openxmlformats.org/drawingml/2006/main" xmlns:r="http://schemas.openxmlformats.org/officeDocument/2006/relationships" xmlns:p="http://schemas.openxmlformats.org/presentationml/2006/main" showMasterSp="0" showMasterPhAnim="0">
+  <p:cSld>
+    <p:spTree>
+      <p:nvGrpSpPr>
+        <p:cNvPr id="1" name="Shape 183"/>
+        <p:cNvGrpSpPr/>
+        <p:nvPr/>
+      </p:nvGrpSpPr>
+      <p:grpSpPr>
+        <a:xfrm>
+          <a:off x="0" y="0"/>
+          <a:ext cx="0" cy="0"/>
+          <a:chOff x="0" y="0"/>
+          <a:chExt cx="0" cy="0"/>
+        </a:xfrm>
+      </p:grpSpPr>
+      <p:sp>
+        <p:nvSpPr>
+          <p:cNvPr id="184" name="Google Shape;184;ga704c576c7_0_18:notes"/>
+          <p:cNvSpPr>
+            <a:spLocks noGrp="1" noRot="1" noChangeAspect="1"/>
+          </p:cNvSpPr>
+          <p:nvPr>
+            <p:ph type="sldImg" idx="2"/>
+          </p:nvPr>
+        </p:nvSpPr>
+        <p:spPr>
+          <a:xfrm>
+            <a:off x="381000" y="685800"/>
+            <a:ext cx="6096000" cy="3429000"/>
+          </a:xfrm>
+          <a:custGeom>
+            <a:avLst/>
+            <a:gdLst/>
+            <a:ahLst/>
+            <a:cxnLst/>
+            <a:rect l="l" t="t" r="r" b="b"/>
+            <a:pathLst>
+              <a:path w="120000" h="120000" extrusionOk="0">
+                <a:moveTo>
+                  <a:pt x="0" y="0"/>
+                </a:moveTo>
+                <a:lnTo>
+                  <a:pt x="120000" y="0"/>
+                </a:lnTo>
+                <a:lnTo>
+                  <a:pt x="120000" y="120000"/>
+                </a:lnTo>
+                <a:lnTo>
+                  <a:pt x="0" y="120000"/>
+                </a:lnTo>
+                <a:close/>
+              </a:path>
+            </a:pathLst>
+          </a:custGeom>
+        </p:spPr>
+      </p:sp>
+      <p:sp>
+        <p:nvSpPr>
+          <p:cNvPr id="185" name="Google Shape;185;ga704c576c7_0_18:notes"/>
+          <p:cNvSpPr txBox="1">
+            <a:spLocks noGrp="1"/>
+          </p:cNvSpPr>
+          <p:nvPr>
+            <p:ph type="body" idx="1"/>
+          </p:nvPr>
+        </p:nvSpPr>
+        <p:spPr>
+          <a:xfrm>
+            <a:off x="685800" y="4343400"/>
+            <a:ext cx="5486400" cy="4114800"/>
+          </a:xfrm>
+          <a:prstGeom prst="rect">
+            <a:avLst/>
+          </a:prstGeom>
+        </p:spPr>
+        <p:txBody>
+          <a:bodyPr spcFirstLastPara="1" wrap="square" lIns="91425" tIns="91425" rIns="91425" bIns="91425" anchor="t" anchorCtr="0">
+            <a:noAutofit/>
+          </a:bodyPr>
+          <a:lstStyle/>
           <a:p>
-            <a:pPr marL="457200" lvl="0" indent="-295275" algn="l" rtl="0">
-              <a:spcBef>
-                <a:spcPts val="0"/>
-              </a:spcBef>
-              <a:spcAft>
-                <a:spcPts val="0"/>
-              </a:spcAft>
-              <a:buClr>
-                <a:schemeClr val="dk1"/>
-              </a:buClr>
-              <a:buSzPts val="1050"/>
-              <a:buChar char="-"/>
+            <a:pPr marL="0" lvl="0" indent="0" algn="l" rtl="0">
+              <a:spcBef>
+                <a:spcPts val="0"/>
+              </a:spcBef>
+              <a:spcAft>
+                <a:spcPts val="0"/>
+              </a:spcAft>
+              <a:buNone/>
             </a:pPr>
-            <a:r>
-              <a:rPr lang="zh-CN" sz="1050">
-                <a:solidFill>
-                  <a:schemeClr val="dk1"/>
-                </a:solidFill>
-                <a:highlight>
-                  <a:srgbClr val="FFFFFF"/>
-                </a:highlight>
-              </a:rPr>
-              <a:t>Some of the most popular word embedding techniques include: Word2Vec and GloVe. will discuss Word2Vec using a pre-trained model on Google news dataset (why? we don’t have enough data to train the model)</a:t>
-            </a:r>
-            <a:endParaRPr sz="1050">
-              <a:solidFill>
-                <a:schemeClr val="dk1"/>
-              </a:solidFill>
-              <a:highlight>
-                <a:srgbClr val="FFFFFF"/>
-              </a:highlight>
-            </a:endParaRPr>
+            <a:endParaRPr/>
           </a:p>
+        </p:txBody>
+      </p:sp>
+    </p:spTree>
+  </p:cSld>
+  <p:clrMapOvr>
+    <a:masterClrMapping/>
+  </p:clrMapOvr>
+</p:notes>
+</file>
+
+<file path=ppt/notesSlides/notesSlide5.xml><?xml version="1.0" encoding="utf-8"?>
+<p:notes xmlns:a="http://schemas.openxmlformats.org/drawingml/2006/main" xmlns:r="http://schemas.openxmlformats.org/officeDocument/2006/relationships" xmlns:p="http://schemas.openxmlformats.org/presentationml/2006/main" showMasterSp="0" showMasterPhAnim="0">
+  <p:cSld>
+    <p:spTree>
+      <p:nvGrpSpPr>
+        <p:cNvPr id="1" name="Shape 191"/>
+        <p:cNvGrpSpPr/>
+        <p:nvPr/>
+      </p:nvGrpSpPr>
+      <p:grpSpPr>
+        <a:xfrm>
+          <a:off x="0" y="0"/>
+          <a:ext cx="0" cy="0"/>
+          <a:chOff x="0" y="0"/>
+          <a:chExt cx="0" cy="0"/>
+        </a:xfrm>
+      </p:grpSpPr>
+      <p:sp>
+        <p:nvSpPr>
+          <p:cNvPr id="192" name="Google Shape;192;ga704c576c7_0_25:notes"/>
+          <p:cNvSpPr>
+            <a:spLocks noGrp="1" noRot="1" noChangeAspect="1"/>
+          </p:cNvSpPr>
+          <p:nvPr>
+            <p:ph type="sldImg" idx="2"/>
+          </p:nvPr>
+        </p:nvSpPr>
+        <p:spPr>
+          <a:xfrm>
+            <a:off x="381000" y="685800"/>
+            <a:ext cx="6096000" cy="3429000"/>
+          </a:xfrm>
+          <a:custGeom>
+            <a:avLst/>
+            <a:gdLst/>
+            <a:ahLst/>
+            <a:cxnLst/>
+            <a:rect l="l" t="t" r="r" b="b"/>
+            <a:pathLst>
+              <a:path w="120000" h="120000" extrusionOk="0">
+                <a:moveTo>
+                  <a:pt x="0" y="0"/>
+                </a:moveTo>
+                <a:lnTo>
+                  <a:pt x="120000" y="0"/>
+                </a:lnTo>
+                <a:lnTo>
+                  <a:pt x="120000" y="120000"/>
+                </a:lnTo>
+                <a:lnTo>
+                  <a:pt x="0" y="120000"/>
+                </a:lnTo>
+                <a:close/>
+              </a:path>
+            </a:pathLst>
+          </a:custGeom>
+        </p:spPr>
+      </p:sp>
+      <p:sp>
+        <p:nvSpPr>
+          <p:cNvPr id="193" name="Google Shape;193;ga704c576c7_0_25:notes"/>
+          <p:cNvSpPr txBox="1">
+            <a:spLocks noGrp="1"/>
+          </p:cNvSpPr>
+          <p:nvPr>
+            <p:ph type="body" idx="1"/>
+          </p:nvPr>
+        </p:nvSpPr>
+        <p:spPr>
+          <a:xfrm>
+            <a:off x="685800" y="4343400"/>
+            <a:ext cx="5486400" cy="4114800"/>
+          </a:xfrm>
+          <a:prstGeom prst="rect">
+            <a:avLst/>
+          </a:prstGeom>
+        </p:spPr>
+        <p:txBody>
+          <a:bodyPr spcFirstLastPara="1" wrap="square" lIns="91425" tIns="91425" rIns="91425" bIns="91425" anchor="t" anchorCtr="0">
+            <a:noAutofit/>
+          </a:bodyPr>
+          <a:lstStyle/>
           <a:p>
-            <a:pPr marL="457200" lvl="0" indent="-295275" algn="l" rtl="0">
-              <a:spcBef>
-                <a:spcPts val="0"/>
-              </a:spcBef>
-              <a:spcAft>
-                <a:spcPts val="0"/>
-              </a:spcAft>
-              <a:buClr>
-                <a:schemeClr val="dk1"/>
-              </a:buClr>
-              <a:buSzPts val="1050"/>
-              <a:buChar char="-"/>
+            <a:pPr marL="0" lvl="0" indent="0" algn="l" rtl="0">
+              <a:spcBef>
+                <a:spcPts val="0"/>
+              </a:spcBef>
+              <a:spcAft>
+                <a:spcPts val="0"/>
+              </a:spcAft>
+              <a:buNone/>
             </a:pPr>
-            <a:r>
-              <a:rPr lang="zh-CN" sz="1050">
-                <a:solidFill>
-                  <a:schemeClr val="dk1"/>
-                </a:solidFill>
-                <a:highlight>
-                  <a:srgbClr val="FFFFFF"/>
-                </a:highlight>
-              </a:rPr>
-              <a:t>We get word embeddings for each article (300 by #of words in article)</a:t>
-            </a:r>
-            <a:endParaRPr sz="1050">
-              <a:solidFill>
-                <a:schemeClr val="dk1"/>
-              </a:solidFill>
-              <a:highlight>
-                <a:srgbClr val="FFFFFF"/>
-              </a:highlight>
-            </a:endParaRPr>
-          </a:p>
-          <a:p>
-            <a:pPr marL="457200" lvl="0" indent="-295275" algn="l" rtl="0">
-              <a:spcBef>
-                <a:spcPts val="0"/>
-              </a:spcBef>
-              <a:spcAft>
-                <a:spcPts val="0"/>
-              </a:spcAft>
-              <a:buClr>
-                <a:schemeClr val="dk1"/>
-              </a:buClr>
-              <a:buSzPts val="1050"/>
-              <a:buChar char="-"/>
-            </a:pPr>
-            <a:r>
-              <a:rPr lang="zh-CN" sz="1050">
-                <a:solidFill>
-                  <a:schemeClr val="dk1"/>
-                </a:solidFill>
-                <a:highlight>
-                  <a:srgbClr val="FFFFFF"/>
-                </a:highlight>
-              </a:rPr>
-              <a:t>To get the representation of article, average over word vectors of article</a:t>
-            </a:r>
-            <a:endParaRPr sz="1050">
-              <a:solidFill>
-                <a:schemeClr val="dk1"/>
-              </a:solidFill>
-              <a:highlight>
-                <a:srgbClr val="FFFFFF"/>
-              </a:highlight>
-            </a:endParaRPr>
+            <a:endParaRPr/>
           </a:p>
         </p:txBody>
       </p:sp>
@@ -1730,6 +1678,566 @@
 </file>
 
 <file path=ppt/slideLayouts/slideLayout2.xml><?xml version="1.0" encoding="utf-8"?>
+<p:sldLayout xmlns:a="http://schemas.openxmlformats.org/drawingml/2006/main" xmlns:r="http://schemas.openxmlformats.org/officeDocument/2006/relationships" xmlns:p="http://schemas.openxmlformats.org/presentationml/2006/main" matchingName="Title and body" type="tx">
+  <p:cSld name="TITLE_AND_BODY">
+    <p:spTree>
+      <p:nvGrpSpPr>
+        <p:cNvPr id="1" name="Shape 23"/>
+        <p:cNvGrpSpPr/>
+        <p:nvPr/>
+      </p:nvGrpSpPr>
+      <p:grpSpPr>
+        <a:xfrm>
+          <a:off x="0" y="0"/>
+          <a:ext cx="0" cy="0"/>
+          <a:chOff x="0" y="0"/>
+          <a:chExt cx="0" cy="0"/>
+        </a:xfrm>
+      </p:grpSpPr>
+      <p:sp>
+        <p:nvSpPr>
+          <p:cNvPr id="24" name="Google Shape;24;p4"/>
+          <p:cNvSpPr/>
+          <p:nvPr/>
+        </p:nvSpPr>
+        <p:spPr>
+          <a:xfrm>
+            <a:off x="0" y="0"/>
+            <a:ext cx="9144000" cy="487800"/>
+          </a:xfrm>
+          <a:prstGeom prst="rect">
+            <a:avLst/>
+          </a:prstGeom>
+          <a:solidFill>
+            <a:schemeClr val="lt2"/>
+          </a:solidFill>
+          <a:ln>
+            <a:noFill/>
+          </a:ln>
+        </p:spPr>
+        <p:txBody>
+          <a:bodyPr spcFirstLastPara="1" wrap="square" lIns="91425" tIns="91425" rIns="91425" bIns="91425" anchor="ctr" anchorCtr="0">
+            <a:noAutofit/>
+          </a:bodyPr>
+          <a:lstStyle/>
+          <a:p>
+            <a:pPr marL="0" lvl="0" indent="0" algn="l" rtl="0">
+              <a:spcBef>
+                <a:spcPts val="0"/>
+              </a:spcBef>
+              <a:spcAft>
+                <a:spcPts val="0"/>
+              </a:spcAft>
+              <a:buNone/>
+            </a:pPr>
+            <a:endParaRPr/>
+          </a:p>
+        </p:txBody>
+      </p:sp>
+      <p:grpSp>
+        <p:nvGrpSpPr>
+          <p:cNvPr id="25" name="Google Shape;25;p4"/>
+          <p:cNvGrpSpPr/>
+          <p:nvPr/>
+        </p:nvGrpSpPr>
+        <p:grpSpPr>
+          <a:xfrm>
+            <a:off x="830392" y="1191256"/>
+            <a:ext cx="745763" cy="45826"/>
+            <a:chOff x="4580561" y="2589004"/>
+            <a:chExt cx="1064464" cy="25200"/>
+          </a:xfrm>
+        </p:grpSpPr>
+        <p:sp>
+          <p:nvSpPr>
+            <p:cNvPr id="26" name="Google Shape;26;p4"/>
+            <p:cNvSpPr/>
+            <p:nvPr/>
+          </p:nvSpPr>
+          <p:spPr>
+            <a:xfrm rot="-5400000">
+              <a:off x="5366325" y="2335504"/>
+              <a:ext cx="25200" cy="532200"/>
+            </a:xfrm>
+            <a:prstGeom prst="rect">
+              <a:avLst/>
+            </a:prstGeom>
+            <a:solidFill>
+              <a:schemeClr val="accent3"/>
+            </a:solidFill>
+            <a:ln>
+              <a:noFill/>
+            </a:ln>
+          </p:spPr>
+          <p:txBody>
+            <a:bodyPr spcFirstLastPara="1" wrap="square" lIns="91425" tIns="91425" rIns="91425" bIns="91425" anchor="ctr" anchorCtr="0">
+              <a:noAutofit/>
+            </a:bodyPr>
+            <a:lstStyle/>
+            <a:p>
+              <a:pPr marL="0" lvl="0" indent="0" algn="l" rtl="0">
+                <a:spcBef>
+                  <a:spcPts val="0"/>
+                </a:spcBef>
+                <a:spcAft>
+                  <a:spcPts val="0"/>
+                </a:spcAft>
+                <a:buNone/>
+              </a:pPr>
+              <a:endParaRPr/>
+            </a:p>
+          </p:txBody>
+        </p:sp>
+        <p:sp>
+          <p:nvSpPr>
+            <p:cNvPr id="27" name="Google Shape;27;p4"/>
+            <p:cNvSpPr/>
+            <p:nvPr/>
+          </p:nvSpPr>
+          <p:spPr>
+            <a:xfrm rot="-5400000">
+              <a:off x="4836311" y="2333254"/>
+              <a:ext cx="25200" cy="536700"/>
+            </a:xfrm>
+            <a:prstGeom prst="rect">
+              <a:avLst/>
+            </a:prstGeom>
+            <a:solidFill>
+              <a:schemeClr val="dk1"/>
+            </a:solidFill>
+            <a:ln>
+              <a:noFill/>
+            </a:ln>
+          </p:spPr>
+          <p:txBody>
+            <a:bodyPr spcFirstLastPara="1" wrap="square" lIns="91425" tIns="91425" rIns="91425" bIns="91425" anchor="ctr" anchorCtr="0">
+              <a:noAutofit/>
+            </a:bodyPr>
+            <a:lstStyle/>
+            <a:p>
+              <a:pPr marL="0" lvl="0" indent="0" algn="l" rtl="0">
+                <a:spcBef>
+                  <a:spcPts val="0"/>
+                </a:spcBef>
+                <a:spcAft>
+                  <a:spcPts val="0"/>
+                </a:spcAft>
+                <a:buNone/>
+              </a:pPr>
+              <a:endParaRPr/>
+            </a:p>
+          </p:txBody>
+        </p:sp>
+      </p:grpSp>
+      <p:sp>
+        <p:nvSpPr>
+          <p:cNvPr id="28" name="Google Shape;28;p4"/>
+          <p:cNvSpPr txBox="1">
+            <a:spLocks noGrp="1"/>
+          </p:cNvSpPr>
+          <p:nvPr>
+            <p:ph type="title"/>
+          </p:nvPr>
+        </p:nvSpPr>
+        <p:spPr>
+          <a:xfrm>
+            <a:off x="729450" y="1318650"/>
+            <a:ext cx="7688700" cy="535200"/>
+          </a:xfrm>
+          <a:prstGeom prst="rect">
+            <a:avLst/>
+          </a:prstGeom>
+        </p:spPr>
+        <p:txBody>
+          <a:bodyPr spcFirstLastPara="1" wrap="square" lIns="91425" tIns="91425" rIns="91425" bIns="91425" anchor="t" anchorCtr="0">
+            <a:noAutofit/>
+          </a:bodyPr>
+          <a:lstStyle>
+            <a:lvl1pPr lvl="0">
+              <a:spcBef>
+                <a:spcPts val="0"/>
+              </a:spcBef>
+              <a:spcAft>
+                <a:spcPts val="0"/>
+              </a:spcAft>
+              <a:buClr>
+                <a:schemeClr val="dk2"/>
+              </a:buClr>
+              <a:buSzPts val="2600"/>
+              <a:buNone/>
+              <a:defRPr sz="2600">
+                <a:solidFill>
+                  <a:schemeClr val="dk2"/>
+                </a:solidFill>
+              </a:defRPr>
+            </a:lvl1pPr>
+            <a:lvl2pPr lvl="1">
+              <a:spcBef>
+                <a:spcPts val="0"/>
+              </a:spcBef>
+              <a:spcAft>
+                <a:spcPts val="0"/>
+              </a:spcAft>
+              <a:buClr>
+                <a:schemeClr val="dk2"/>
+              </a:buClr>
+              <a:buSzPts val="2600"/>
+              <a:buNone/>
+              <a:defRPr sz="2600">
+                <a:solidFill>
+                  <a:schemeClr val="dk2"/>
+                </a:solidFill>
+              </a:defRPr>
+            </a:lvl2pPr>
+            <a:lvl3pPr lvl="2">
+              <a:spcBef>
+                <a:spcPts val="0"/>
+              </a:spcBef>
+              <a:spcAft>
+                <a:spcPts val="0"/>
+              </a:spcAft>
+              <a:buClr>
+                <a:schemeClr val="dk2"/>
+              </a:buClr>
+              <a:buSzPts val="2600"/>
+              <a:buNone/>
+              <a:defRPr sz="2600">
+                <a:solidFill>
+                  <a:schemeClr val="dk2"/>
+                </a:solidFill>
+              </a:defRPr>
+            </a:lvl3pPr>
+            <a:lvl4pPr lvl="3">
+              <a:spcBef>
+                <a:spcPts val="0"/>
+              </a:spcBef>
+              <a:spcAft>
+                <a:spcPts val="0"/>
+              </a:spcAft>
+              <a:buClr>
+                <a:schemeClr val="dk2"/>
+              </a:buClr>
+              <a:buSzPts val="2600"/>
+              <a:buNone/>
+              <a:defRPr sz="2600">
+                <a:solidFill>
+                  <a:schemeClr val="dk2"/>
+                </a:solidFill>
+              </a:defRPr>
+            </a:lvl4pPr>
+            <a:lvl5pPr lvl="4">
+              <a:spcBef>
+                <a:spcPts val="0"/>
+              </a:spcBef>
+              <a:spcAft>
+                <a:spcPts val="0"/>
+              </a:spcAft>
+              <a:buClr>
+                <a:schemeClr val="dk2"/>
+              </a:buClr>
+              <a:buSzPts val="2600"/>
+              <a:buNone/>
+              <a:defRPr sz="2600">
+                <a:solidFill>
+                  <a:schemeClr val="dk2"/>
+                </a:solidFill>
+              </a:defRPr>
+            </a:lvl5pPr>
+            <a:lvl6pPr lvl="5">
+              <a:spcBef>
+                <a:spcPts val="0"/>
+              </a:spcBef>
+              <a:spcAft>
+                <a:spcPts val="0"/>
+              </a:spcAft>
+              <a:buClr>
+                <a:schemeClr val="dk2"/>
+              </a:buClr>
+              <a:buSzPts val="2600"/>
+              <a:buNone/>
+              <a:defRPr sz="2600">
+                <a:solidFill>
+                  <a:schemeClr val="dk2"/>
+                </a:solidFill>
+              </a:defRPr>
+            </a:lvl6pPr>
+            <a:lvl7pPr lvl="6">
+              <a:spcBef>
+                <a:spcPts val="0"/>
+              </a:spcBef>
+              <a:spcAft>
+                <a:spcPts val="0"/>
+              </a:spcAft>
+              <a:buClr>
+                <a:schemeClr val="dk2"/>
+              </a:buClr>
+              <a:buSzPts val="2600"/>
+              <a:buNone/>
+              <a:defRPr sz="2600">
+                <a:solidFill>
+                  <a:schemeClr val="dk2"/>
+                </a:solidFill>
+              </a:defRPr>
+            </a:lvl7pPr>
+            <a:lvl8pPr lvl="7">
+              <a:spcBef>
+                <a:spcPts val="0"/>
+              </a:spcBef>
+              <a:spcAft>
+                <a:spcPts val="0"/>
+              </a:spcAft>
+              <a:buClr>
+                <a:schemeClr val="dk2"/>
+              </a:buClr>
+              <a:buSzPts val="2600"/>
+              <a:buNone/>
+              <a:defRPr sz="2600">
+                <a:solidFill>
+                  <a:schemeClr val="dk2"/>
+                </a:solidFill>
+              </a:defRPr>
+            </a:lvl8pPr>
+            <a:lvl9pPr lvl="8">
+              <a:spcBef>
+                <a:spcPts val="0"/>
+              </a:spcBef>
+              <a:spcAft>
+                <a:spcPts val="0"/>
+              </a:spcAft>
+              <a:buClr>
+                <a:schemeClr val="dk2"/>
+              </a:buClr>
+              <a:buSzPts val="2600"/>
+              <a:buNone/>
+              <a:defRPr sz="2600">
+                <a:solidFill>
+                  <a:schemeClr val="dk2"/>
+                </a:solidFill>
+              </a:defRPr>
+            </a:lvl9pPr>
+          </a:lstStyle>
+          <a:p>
+            <a:endParaRPr/>
+          </a:p>
+        </p:txBody>
+      </p:sp>
+      <p:sp>
+        <p:nvSpPr>
+          <p:cNvPr id="29" name="Google Shape;29;p4"/>
+          <p:cNvSpPr txBox="1">
+            <a:spLocks noGrp="1"/>
+          </p:cNvSpPr>
+          <p:nvPr>
+            <p:ph type="body" idx="1"/>
+          </p:nvPr>
+        </p:nvSpPr>
+        <p:spPr>
+          <a:xfrm>
+            <a:off x="729450" y="2078875"/>
+            <a:ext cx="7688700" cy="2261100"/>
+          </a:xfrm>
+          <a:prstGeom prst="rect">
+            <a:avLst/>
+          </a:prstGeom>
+        </p:spPr>
+        <p:txBody>
+          <a:bodyPr spcFirstLastPara="1" wrap="square" lIns="91425" tIns="91425" rIns="91425" bIns="91425" anchor="t" anchorCtr="0">
+            <a:noAutofit/>
+          </a:bodyPr>
+          <a:lstStyle>
+            <a:lvl1pPr marL="457200" lvl="0" indent="-311150">
+              <a:spcBef>
+                <a:spcPts val="0"/>
+              </a:spcBef>
+              <a:spcAft>
+                <a:spcPts val="0"/>
+              </a:spcAft>
+              <a:buSzPts val="1300"/>
+              <a:buChar char="●"/>
+              <a:defRPr/>
+            </a:lvl1pPr>
+            <a:lvl2pPr marL="914400" lvl="1" indent="-298450">
+              <a:spcBef>
+                <a:spcPts val="1600"/>
+              </a:spcBef>
+              <a:spcAft>
+                <a:spcPts val="0"/>
+              </a:spcAft>
+              <a:buSzPts val="1100"/>
+              <a:buChar char="○"/>
+              <a:defRPr/>
+            </a:lvl2pPr>
+            <a:lvl3pPr marL="1371600" lvl="2" indent="-298450">
+              <a:spcBef>
+                <a:spcPts val="1600"/>
+              </a:spcBef>
+              <a:spcAft>
+                <a:spcPts val="0"/>
+              </a:spcAft>
+              <a:buSzPts val="1100"/>
+              <a:buChar char="■"/>
+              <a:defRPr/>
+            </a:lvl3pPr>
+            <a:lvl4pPr marL="1828800" lvl="3" indent="-298450">
+              <a:spcBef>
+                <a:spcPts val="1600"/>
+              </a:spcBef>
+              <a:spcAft>
+                <a:spcPts val="0"/>
+              </a:spcAft>
+              <a:buSzPts val="1100"/>
+              <a:buChar char="●"/>
+              <a:defRPr/>
+            </a:lvl4pPr>
+            <a:lvl5pPr marL="2286000" lvl="4" indent="-298450">
+              <a:spcBef>
+                <a:spcPts val="1600"/>
+              </a:spcBef>
+              <a:spcAft>
+                <a:spcPts val="0"/>
+              </a:spcAft>
+              <a:buSzPts val="1100"/>
+              <a:buChar char="○"/>
+              <a:defRPr/>
+            </a:lvl5pPr>
+            <a:lvl6pPr marL="2743200" lvl="5" indent="-298450">
+              <a:spcBef>
+                <a:spcPts val="1600"/>
+              </a:spcBef>
+              <a:spcAft>
+                <a:spcPts val="0"/>
+              </a:spcAft>
+              <a:buSzPts val="1100"/>
+              <a:buChar char="■"/>
+              <a:defRPr/>
+            </a:lvl6pPr>
+            <a:lvl7pPr marL="3200400" lvl="6" indent="-298450">
+              <a:spcBef>
+                <a:spcPts val="1600"/>
+              </a:spcBef>
+              <a:spcAft>
+                <a:spcPts val="0"/>
+              </a:spcAft>
+              <a:buSzPts val="1100"/>
+              <a:buChar char="●"/>
+              <a:defRPr/>
+            </a:lvl7pPr>
+            <a:lvl8pPr marL="3657600" lvl="7" indent="-298450">
+              <a:spcBef>
+                <a:spcPts val="1600"/>
+              </a:spcBef>
+              <a:spcAft>
+                <a:spcPts val="0"/>
+              </a:spcAft>
+              <a:buSzPts val="1100"/>
+              <a:buChar char="○"/>
+              <a:defRPr/>
+            </a:lvl8pPr>
+            <a:lvl9pPr marL="4114800" lvl="8" indent="-298450">
+              <a:spcBef>
+                <a:spcPts val="1600"/>
+              </a:spcBef>
+              <a:spcAft>
+                <a:spcPts val="1600"/>
+              </a:spcAft>
+              <a:buSzPts val="1100"/>
+              <a:buChar char="■"/>
+              <a:defRPr/>
+            </a:lvl9pPr>
+          </a:lstStyle>
+          <a:p>
+            <a:endParaRPr/>
+          </a:p>
+        </p:txBody>
+      </p:sp>
+      <p:sp>
+        <p:nvSpPr>
+          <p:cNvPr id="30" name="Google Shape;30;p4"/>
+          <p:cNvSpPr txBox="1">
+            <a:spLocks noGrp="1"/>
+          </p:cNvSpPr>
+          <p:nvPr>
+            <p:ph type="sldNum" idx="12"/>
+          </p:nvPr>
+        </p:nvSpPr>
+        <p:spPr>
+          <a:xfrm>
+            <a:off x="8536302" y="4749851"/>
+            <a:ext cx="548700" cy="393600"/>
+          </a:xfrm>
+          <a:prstGeom prst="rect">
+            <a:avLst/>
+          </a:prstGeom>
+        </p:spPr>
+        <p:txBody>
+          <a:bodyPr spcFirstLastPara="1" wrap="square" lIns="91425" tIns="91425" rIns="91425" bIns="91425" anchor="ctr" anchorCtr="0">
+            <a:noAutofit/>
+          </a:bodyPr>
+          <a:lstStyle>
+            <a:lvl1pPr lvl="0">
+              <a:buNone/>
+              <a:defRPr/>
+            </a:lvl1pPr>
+            <a:lvl2pPr lvl="1">
+              <a:buNone/>
+              <a:defRPr/>
+            </a:lvl2pPr>
+            <a:lvl3pPr lvl="2">
+              <a:buNone/>
+              <a:defRPr/>
+            </a:lvl3pPr>
+            <a:lvl4pPr lvl="3">
+              <a:buNone/>
+              <a:defRPr/>
+            </a:lvl4pPr>
+            <a:lvl5pPr lvl="4">
+              <a:buNone/>
+              <a:defRPr/>
+            </a:lvl5pPr>
+            <a:lvl6pPr lvl="5">
+              <a:buNone/>
+              <a:defRPr/>
+            </a:lvl6pPr>
+            <a:lvl7pPr lvl="6">
+              <a:buNone/>
+              <a:defRPr/>
+            </a:lvl7pPr>
+            <a:lvl8pPr lvl="7">
+              <a:buNone/>
+              <a:defRPr/>
+            </a:lvl8pPr>
+            <a:lvl9pPr lvl="8">
+              <a:buNone/>
+              <a:defRPr/>
+            </a:lvl9pPr>
+          </a:lstStyle>
+          <a:p>
+            <a:pPr marL="0" lvl="0" indent="0" algn="r" rtl="0">
+              <a:spcBef>
+                <a:spcPts val="0"/>
+              </a:spcBef>
+              <a:spcAft>
+                <a:spcPts val="0"/>
+              </a:spcAft>
+              <a:buNone/>
+            </a:pPr>
+            <a:fld id="{00000000-1234-1234-1234-123412341234}" type="slidenum">
+              <a:rPr lang="zh-CN"/>
+              <a:t>‹#›</a:t>
+            </a:fld>
+            <a:endParaRPr/>
+          </a:p>
+        </p:txBody>
+      </p:sp>
+    </p:spTree>
+  </p:cSld>
+  <p:clrMapOvr>
+    <a:masterClrMapping/>
+  </p:clrMapOvr>
+</p:sldLayout>
+</file>
+
+<file path=ppt/slideLayouts/slideLayout3.xml><?xml version="1.0" encoding="utf-8"?>
 <p:sldLayout xmlns:a="http://schemas.openxmlformats.org/drawingml/2006/main" xmlns:r="http://schemas.openxmlformats.org/officeDocument/2006/relationships" xmlns:p="http://schemas.openxmlformats.org/presentationml/2006/main" matchingName="Title and two columns" type="twoColTx">
   <p:cSld name="TITLE_AND_TWO_COLUMNS">
     <p:spTree>
@@ -2334,437 +2842,6 @@
       <p:sp>
         <p:nvSpPr>
           <p:cNvPr id="39" name="Google Shape;39;p5"/>
-          <p:cNvSpPr txBox="1">
-            <a:spLocks noGrp="1"/>
-          </p:cNvSpPr>
-          <p:nvPr>
-            <p:ph type="sldNum" idx="12"/>
-          </p:nvPr>
-        </p:nvSpPr>
-        <p:spPr>
-          <a:xfrm>
-            <a:off x="8536302" y="4749851"/>
-            <a:ext cx="548700" cy="393600"/>
-          </a:xfrm>
-          <a:prstGeom prst="rect">
-            <a:avLst/>
-          </a:prstGeom>
-        </p:spPr>
-        <p:txBody>
-          <a:bodyPr spcFirstLastPara="1" wrap="square" lIns="91425" tIns="91425" rIns="91425" bIns="91425" anchor="ctr" anchorCtr="0">
-            <a:noAutofit/>
-          </a:bodyPr>
-          <a:lstStyle>
-            <a:lvl1pPr lvl="0">
-              <a:buNone/>
-              <a:defRPr/>
-            </a:lvl1pPr>
-            <a:lvl2pPr lvl="1">
-              <a:buNone/>
-              <a:defRPr/>
-            </a:lvl2pPr>
-            <a:lvl3pPr lvl="2">
-              <a:buNone/>
-              <a:defRPr/>
-            </a:lvl3pPr>
-            <a:lvl4pPr lvl="3">
-              <a:buNone/>
-              <a:defRPr/>
-            </a:lvl4pPr>
-            <a:lvl5pPr lvl="4">
-              <a:buNone/>
-              <a:defRPr/>
-            </a:lvl5pPr>
-            <a:lvl6pPr lvl="5">
-              <a:buNone/>
-              <a:defRPr/>
-            </a:lvl6pPr>
-            <a:lvl7pPr lvl="6">
-              <a:buNone/>
-              <a:defRPr/>
-            </a:lvl7pPr>
-            <a:lvl8pPr lvl="7">
-              <a:buNone/>
-              <a:defRPr/>
-            </a:lvl8pPr>
-            <a:lvl9pPr lvl="8">
-              <a:buNone/>
-              <a:defRPr/>
-            </a:lvl9pPr>
-          </a:lstStyle>
-          <a:p>
-            <a:pPr marL="0" lvl="0" indent="0" algn="r" rtl="0">
-              <a:spcBef>
-                <a:spcPts val="0"/>
-              </a:spcBef>
-              <a:spcAft>
-                <a:spcPts val="0"/>
-              </a:spcAft>
-              <a:buNone/>
-            </a:pPr>
-            <a:fld id="{00000000-1234-1234-1234-123412341234}" type="slidenum">
-              <a:rPr lang="zh-CN"/>
-              <a:t>‹#›</a:t>
-            </a:fld>
-            <a:endParaRPr/>
-          </a:p>
-        </p:txBody>
-      </p:sp>
-    </p:spTree>
-  </p:cSld>
-  <p:clrMapOvr>
-    <a:masterClrMapping/>
-  </p:clrMapOvr>
-</p:sldLayout>
-</file>
-
-<file path=ppt/slideLayouts/slideLayout3.xml><?xml version="1.0" encoding="utf-8"?>
-<p:sldLayout xmlns:a="http://schemas.openxmlformats.org/drawingml/2006/main" xmlns:r="http://schemas.openxmlformats.org/officeDocument/2006/relationships" xmlns:p="http://schemas.openxmlformats.org/presentationml/2006/main" matchingName="Title only" type="titleOnly">
-  <p:cSld name="TITLE_ONLY">
-    <p:spTree>
-      <p:nvGrpSpPr>
-        <p:cNvPr id="1" name="Shape 40"/>
-        <p:cNvGrpSpPr/>
-        <p:nvPr/>
-      </p:nvGrpSpPr>
-      <p:grpSpPr>
-        <a:xfrm>
-          <a:off x="0" y="0"/>
-          <a:ext cx="0" cy="0"/>
-          <a:chOff x="0" y="0"/>
-          <a:chExt cx="0" cy="0"/>
-        </a:xfrm>
-      </p:grpSpPr>
-      <p:sp>
-        <p:nvSpPr>
-          <p:cNvPr id="41" name="Google Shape;41;p6"/>
-          <p:cNvSpPr/>
-          <p:nvPr/>
-        </p:nvSpPr>
-        <p:spPr>
-          <a:xfrm>
-            <a:off x="0" y="0"/>
-            <a:ext cx="9144000" cy="487800"/>
-          </a:xfrm>
-          <a:prstGeom prst="rect">
-            <a:avLst/>
-          </a:prstGeom>
-          <a:solidFill>
-            <a:schemeClr val="lt2"/>
-          </a:solidFill>
-          <a:ln>
-            <a:noFill/>
-          </a:ln>
-        </p:spPr>
-        <p:txBody>
-          <a:bodyPr spcFirstLastPara="1" wrap="square" lIns="91425" tIns="91425" rIns="91425" bIns="91425" anchor="ctr" anchorCtr="0">
-            <a:noAutofit/>
-          </a:bodyPr>
-          <a:lstStyle/>
-          <a:p>
-            <a:pPr marL="0" lvl="0" indent="0" algn="l" rtl="0">
-              <a:spcBef>
-                <a:spcPts val="0"/>
-              </a:spcBef>
-              <a:spcAft>
-                <a:spcPts val="0"/>
-              </a:spcAft>
-              <a:buNone/>
-            </a:pPr>
-            <a:endParaRPr/>
-          </a:p>
-        </p:txBody>
-      </p:sp>
-      <p:grpSp>
-        <p:nvGrpSpPr>
-          <p:cNvPr id="42" name="Google Shape;42;p6"/>
-          <p:cNvGrpSpPr/>
-          <p:nvPr/>
-        </p:nvGrpSpPr>
-        <p:grpSpPr>
-          <a:xfrm>
-            <a:off x="830392" y="1191256"/>
-            <a:ext cx="745763" cy="45826"/>
-            <a:chOff x="4580561" y="2589004"/>
-            <a:chExt cx="1064464" cy="25200"/>
-          </a:xfrm>
-        </p:grpSpPr>
-        <p:sp>
-          <p:nvSpPr>
-            <p:cNvPr id="43" name="Google Shape;43;p6"/>
-            <p:cNvSpPr/>
-            <p:nvPr/>
-          </p:nvSpPr>
-          <p:spPr>
-            <a:xfrm rot="-5400000">
-              <a:off x="5366325" y="2335504"/>
-              <a:ext cx="25200" cy="532200"/>
-            </a:xfrm>
-            <a:prstGeom prst="rect">
-              <a:avLst/>
-            </a:prstGeom>
-            <a:solidFill>
-              <a:schemeClr val="accent3"/>
-            </a:solidFill>
-            <a:ln>
-              <a:noFill/>
-            </a:ln>
-          </p:spPr>
-          <p:txBody>
-            <a:bodyPr spcFirstLastPara="1" wrap="square" lIns="91425" tIns="91425" rIns="91425" bIns="91425" anchor="ctr" anchorCtr="0">
-              <a:noAutofit/>
-            </a:bodyPr>
-            <a:lstStyle/>
-            <a:p>
-              <a:pPr marL="0" lvl="0" indent="0" algn="l" rtl="0">
-                <a:spcBef>
-                  <a:spcPts val="0"/>
-                </a:spcBef>
-                <a:spcAft>
-                  <a:spcPts val="0"/>
-                </a:spcAft>
-                <a:buNone/>
-              </a:pPr>
-              <a:endParaRPr/>
-            </a:p>
-          </p:txBody>
-        </p:sp>
-        <p:sp>
-          <p:nvSpPr>
-            <p:cNvPr id="44" name="Google Shape;44;p6"/>
-            <p:cNvSpPr/>
-            <p:nvPr/>
-          </p:nvSpPr>
-          <p:spPr>
-            <a:xfrm rot="-5400000">
-              <a:off x="4836311" y="2333254"/>
-              <a:ext cx="25200" cy="536700"/>
-            </a:xfrm>
-            <a:prstGeom prst="rect">
-              <a:avLst/>
-            </a:prstGeom>
-            <a:solidFill>
-              <a:schemeClr val="dk1"/>
-            </a:solidFill>
-            <a:ln>
-              <a:noFill/>
-            </a:ln>
-          </p:spPr>
-          <p:txBody>
-            <a:bodyPr spcFirstLastPara="1" wrap="square" lIns="91425" tIns="91425" rIns="91425" bIns="91425" anchor="ctr" anchorCtr="0">
-              <a:noAutofit/>
-            </a:bodyPr>
-            <a:lstStyle/>
-            <a:p>
-              <a:pPr marL="0" lvl="0" indent="0" algn="l" rtl="0">
-                <a:spcBef>
-                  <a:spcPts val="0"/>
-                </a:spcBef>
-                <a:spcAft>
-                  <a:spcPts val="0"/>
-                </a:spcAft>
-                <a:buNone/>
-              </a:pPr>
-              <a:endParaRPr/>
-            </a:p>
-          </p:txBody>
-        </p:sp>
-      </p:grpSp>
-      <p:sp>
-        <p:nvSpPr>
-          <p:cNvPr id="45" name="Google Shape;45;p6"/>
-          <p:cNvSpPr txBox="1">
-            <a:spLocks noGrp="1"/>
-          </p:cNvSpPr>
-          <p:nvPr>
-            <p:ph type="title"/>
-          </p:nvPr>
-        </p:nvSpPr>
-        <p:spPr>
-          <a:xfrm>
-            <a:off x="729450" y="1318650"/>
-            <a:ext cx="7688400" cy="535200"/>
-          </a:xfrm>
-          <a:prstGeom prst="rect">
-            <a:avLst/>
-          </a:prstGeom>
-        </p:spPr>
-        <p:txBody>
-          <a:bodyPr spcFirstLastPara="1" wrap="square" lIns="91425" tIns="91425" rIns="91425" bIns="91425" anchor="t" anchorCtr="0">
-            <a:noAutofit/>
-          </a:bodyPr>
-          <a:lstStyle>
-            <a:lvl1pPr lvl="0">
-              <a:spcBef>
-                <a:spcPts val="0"/>
-              </a:spcBef>
-              <a:spcAft>
-                <a:spcPts val="0"/>
-              </a:spcAft>
-              <a:buClr>
-                <a:schemeClr val="dk2"/>
-              </a:buClr>
-              <a:buSzPts val="2600"/>
-              <a:buNone/>
-              <a:defRPr sz="2600">
-                <a:solidFill>
-                  <a:schemeClr val="dk2"/>
-                </a:solidFill>
-              </a:defRPr>
-            </a:lvl1pPr>
-            <a:lvl2pPr lvl="1">
-              <a:spcBef>
-                <a:spcPts val="0"/>
-              </a:spcBef>
-              <a:spcAft>
-                <a:spcPts val="0"/>
-              </a:spcAft>
-              <a:buClr>
-                <a:schemeClr val="dk2"/>
-              </a:buClr>
-              <a:buSzPts val="2600"/>
-              <a:buNone/>
-              <a:defRPr sz="2600">
-                <a:solidFill>
-                  <a:schemeClr val="dk2"/>
-                </a:solidFill>
-              </a:defRPr>
-            </a:lvl2pPr>
-            <a:lvl3pPr lvl="2">
-              <a:spcBef>
-                <a:spcPts val="0"/>
-              </a:spcBef>
-              <a:spcAft>
-                <a:spcPts val="0"/>
-              </a:spcAft>
-              <a:buClr>
-                <a:schemeClr val="dk2"/>
-              </a:buClr>
-              <a:buSzPts val="2600"/>
-              <a:buNone/>
-              <a:defRPr sz="2600">
-                <a:solidFill>
-                  <a:schemeClr val="dk2"/>
-                </a:solidFill>
-              </a:defRPr>
-            </a:lvl3pPr>
-            <a:lvl4pPr lvl="3">
-              <a:spcBef>
-                <a:spcPts val="0"/>
-              </a:spcBef>
-              <a:spcAft>
-                <a:spcPts val="0"/>
-              </a:spcAft>
-              <a:buClr>
-                <a:schemeClr val="dk2"/>
-              </a:buClr>
-              <a:buSzPts val="2600"/>
-              <a:buNone/>
-              <a:defRPr sz="2600">
-                <a:solidFill>
-                  <a:schemeClr val="dk2"/>
-                </a:solidFill>
-              </a:defRPr>
-            </a:lvl4pPr>
-            <a:lvl5pPr lvl="4">
-              <a:spcBef>
-                <a:spcPts val="0"/>
-              </a:spcBef>
-              <a:spcAft>
-                <a:spcPts val="0"/>
-              </a:spcAft>
-              <a:buClr>
-                <a:schemeClr val="dk2"/>
-              </a:buClr>
-              <a:buSzPts val="2600"/>
-              <a:buNone/>
-              <a:defRPr sz="2600">
-                <a:solidFill>
-                  <a:schemeClr val="dk2"/>
-                </a:solidFill>
-              </a:defRPr>
-            </a:lvl5pPr>
-            <a:lvl6pPr lvl="5">
-              <a:spcBef>
-                <a:spcPts val="0"/>
-              </a:spcBef>
-              <a:spcAft>
-                <a:spcPts val="0"/>
-              </a:spcAft>
-              <a:buClr>
-                <a:schemeClr val="dk2"/>
-              </a:buClr>
-              <a:buSzPts val="2600"/>
-              <a:buNone/>
-              <a:defRPr sz="2600">
-                <a:solidFill>
-                  <a:schemeClr val="dk2"/>
-                </a:solidFill>
-              </a:defRPr>
-            </a:lvl6pPr>
-            <a:lvl7pPr lvl="6">
-              <a:spcBef>
-                <a:spcPts val="0"/>
-              </a:spcBef>
-              <a:spcAft>
-                <a:spcPts val="0"/>
-              </a:spcAft>
-              <a:buClr>
-                <a:schemeClr val="dk2"/>
-              </a:buClr>
-              <a:buSzPts val="2600"/>
-              <a:buNone/>
-              <a:defRPr sz="2600">
-                <a:solidFill>
-                  <a:schemeClr val="dk2"/>
-                </a:solidFill>
-              </a:defRPr>
-            </a:lvl7pPr>
-            <a:lvl8pPr lvl="7">
-              <a:spcBef>
-                <a:spcPts val="0"/>
-              </a:spcBef>
-              <a:spcAft>
-                <a:spcPts val="0"/>
-              </a:spcAft>
-              <a:buClr>
-                <a:schemeClr val="dk2"/>
-              </a:buClr>
-              <a:buSzPts val="2600"/>
-              <a:buNone/>
-              <a:defRPr sz="2600">
-                <a:solidFill>
-                  <a:schemeClr val="dk2"/>
-                </a:solidFill>
-              </a:defRPr>
-            </a:lvl8pPr>
-            <a:lvl9pPr lvl="8">
-              <a:spcBef>
-                <a:spcPts val="0"/>
-              </a:spcBef>
-              <a:spcAft>
-                <a:spcPts val="0"/>
-              </a:spcAft>
-              <a:buClr>
-                <a:schemeClr val="dk2"/>
-              </a:buClr>
-              <a:buSzPts val="2600"/>
-              <a:buNone/>
-              <a:defRPr sz="2600">
-                <a:solidFill>
-                  <a:schemeClr val="dk2"/>
-                </a:solidFill>
-              </a:defRPr>
-            </a:lvl9pPr>
-          </a:lstStyle>
-          <a:p>
-            <a:endParaRPr/>
-          </a:p>
-        </p:txBody>
-      </p:sp>
-      <p:sp>
-        <p:nvSpPr>
-          <p:cNvPr id="46" name="Google Shape;46;p6"/>
           <p:cNvSpPr txBox="1">
             <a:spLocks noGrp="1"/>
           </p:cNvSpPr>
@@ -6081,8 +6158,8 @@
   <p:clrMap bg1="lt1" tx1="dk1" bg2="dk2" tx2="lt2" accent1="accent1" accent2="accent2" accent3="accent3" accent4="accent4" accent5="accent5" accent6="accent6" hlink="hlink" folHlink="folHlink"/>
   <p:sldLayoutIdLst>
     <p:sldLayoutId id="2147483649" r:id="rId1"/>
-    <p:sldLayoutId id="2147483651" r:id="rId2"/>
-    <p:sldLayoutId id="2147483652" r:id="rId3"/>
+    <p:sldLayoutId id="2147483650" r:id="rId2"/>
+    <p:sldLayoutId id="2147483651" r:id="rId3"/>
     <p:sldLayoutId id="2147483653" r:id="rId4"/>
     <p:sldLayoutId id="2147483654" r:id="rId5"/>
     <p:sldLayoutId id="2147483655" r:id="rId6"/>
@@ -6788,7 +6865,7 @@
   <p:cSld>
     <p:spTree>
       <p:nvGrpSpPr>
-        <p:cNvPr id="1" name="Shape 158"/>
+        <p:cNvPr id="1" name=""/>
         <p:cNvGrpSpPr/>
         <p:nvPr/>
       </p:nvGrpSpPr>
@@ -6802,123 +6879,99 @@
       </p:grpSpPr>
       <p:sp>
         <p:nvSpPr>
-          <p:cNvPr id="159" name="Google Shape;159;p23"/>
-          <p:cNvSpPr txBox="1">
+          <p:cNvPr id="2" name="Title 1">
+            <a:extLst>
+              <a:ext uri="{FF2B5EF4-FFF2-40B4-BE49-F238E27FC236}">
+                <a16:creationId xmlns:a16="http://schemas.microsoft.com/office/drawing/2014/main" id="{E7642AD1-200C-4970-8D95-2C1D6B0AFB65}"/>
+              </a:ext>
+            </a:extLst>
+          </p:cNvPr>
+          <p:cNvSpPr>
             <a:spLocks noGrp="1"/>
           </p:cNvSpPr>
           <p:nvPr>
             <p:ph type="title"/>
           </p:nvPr>
         </p:nvSpPr>
-        <p:spPr>
-          <a:xfrm>
-            <a:off x="742300" y="1280075"/>
-            <a:ext cx="7688400" cy="535200"/>
-          </a:xfrm>
-          <a:prstGeom prst="rect">
-            <a:avLst/>
-          </a:prstGeom>
-        </p:spPr>
+        <p:spPr/>
         <p:txBody>
-          <a:bodyPr spcFirstLastPara="1" wrap="square" lIns="91425" tIns="91425" rIns="91425" bIns="91425" anchor="t" anchorCtr="0">
-            <a:noAutofit/>
-          </a:bodyPr>
+          <a:bodyPr/>
           <a:lstStyle/>
           <a:p>
-            <a:pPr marL="0" lvl="0" indent="0" algn="l" rtl="0">
-              <a:spcBef>
-                <a:spcPts val="0"/>
-              </a:spcBef>
-              <a:spcAft>
-                <a:spcPts val="0"/>
-              </a:spcAft>
-              <a:buNone/>
-            </a:pPr>
             <a:r>
-              <a:rPr lang="zh-CN"/>
-              <a:t>Advance text processing - TF</a:t>
+              <a:rPr lang="en-US" dirty="0"/>
+              <a:t>Advanced Text Processing</a:t>
             </a:r>
-            <a:endParaRPr/>
+          </a:p>
+        </p:txBody>
+      </p:sp>
+      <p:sp>
+        <p:nvSpPr>
+          <p:cNvPr id="3" name="Text Placeholder 2">
+            <a:extLst>
+              <a:ext uri="{FF2B5EF4-FFF2-40B4-BE49-F238E27FC236}">
+                <a16:creationId xmlns:a16="http://schemas.microsoft.com/office/drawing/2014/main" id="{5545B595-72F4-49D0-B5CC-9DF4646C24B9}"/>
+              </a:ext>
+            </a:extLst>
+          </p:cNvPr>
+          <p:cNvSpPr>
+            <a:spLocks noGrp="1"/>
+          </p:cNvSpPr>
+          <p:nvPr>
+            <p:ph type="body" idx="1"/>
+          </p:nvPr>
+        </p:nvSpPr>
+        <p:spPr/>
+        <p:txBody>
+          <a:bodyPr/>
+          <a:lstStyle/>
+          <a:p>
+            <a:r>
+              <a:rPr lang="en-US" dirty="0"/>
+              <a:t>Bag of Word document representation</a:t>
+            </a:r>
+          </a:p>
+          <a:p>
+            <a:pPr lvl="1"/>
+            <a:r>
+              <a:rPr lang="en-US" dirty="0"/>
+              <a:t>TF (term frequency) and </a:t>
+            </a:r>
+          </a:p>
+          <a:p>
+            <a:pPr lvl="1"/>
+            <a:r>
+              <a:rPr lang="en-US" dirty="0"/>
+              <a:t>TF-IDF (Term Frequency-Inverse Document Frequency)</a:t>
+            </a:r>
+          </a:p>
+          <a:p>
+            <a:endParaRPr lang="en-US" dirty="0"/>
+          </a:p>
+          <a:p>
+            <a:r>
+              <a:rPr lang="en-US" dirty="0"/>
+              <a:t>Word Embedding Techniques</a:t>
+            </a:r>
+          </a:p>
+          <a:p>
+            <a:endParaRPr lang="en-US" dirty="0"/>
+          </a:p>
+          <a:p>
+            <a:r>
+              <a:rPr lang="en-US" dirty="0"/>
+              <a:t>New York Times articles will be used</a:t>
+            </a:r>
           </a:p>
         </p:txBody>
       </p:sp>
       <p:pic>
         <p:nvPicPr>
-          <p:cNvPr id="160" name="Google Shape;160;p23"/>
-          <p:cNvPicPr preferRelativeResize="0"/>
-          <p:nvPr/>
-        </p:nvPicPr>
-        <p:blipFill>
-          <a:blip r:embed="rId5">
-            <a:alphaModFix/>
-          </a:blip>
-          <a:stretch>
-            <a:fillRect/>
-          </a:stretch>
-        </p:blipFill>
-        <p:spPr>
-          <a:xfrm>
-            <a:off x="345300" y="2186275"/>
-            <a:ext cx="6405776" cy="2799450"/>
-          </a:xfrm>
-          <a:prstGeom prst="rect">
-            <a:avLst/>
-          </a:prstGeom>
-          <a:noFill/>
-          <a:ln>
-            <a:noFill/>
-          </a:ln>
-          <a:effectLst>
-            <a:outerShdw blurRad="57150" dist="19050" dir="5400000" algn="bl" rotWithShape="0">
-              <a:srgbClr val="000000">
-                <a:alpha val="50000"/>
-              </a:srgbClr>
-            </a:outerShdw>
-          </a:effectLst>
-        </p:spPr>
-      </p:pic>
-      <p:pic>
-        <p:nvPicPr>
-          <p:cNvPr id="161" name="Google Shape;161;p23"/>
-          <p:cNvPicPr preferRelativeResize="0"/>
-          <p:nvPr/>
-        </p:nvPicPr>
-        <p:blipFill>
-          <a:blip r:embed="rId6">
-            <a:alphaModFix/>
-          </a:blip>
-          <a:stretch>
-            <a:fillRect/>
-          </a:stretch>
-        </p:blipFill>
-        <p:spPr>
-          <a:xfrm>
-            <a:off x="5735249" y="1722600"/>
-            <a:ext cx="3284450" cy="767675"/>
-          </a:xfrm>
-          <a:prstGeom prst="rect">
-            <a:avLst/>
-          </a:prstGeom>
-          <a:noFill/>
-          <a:ln>
-            <a:noFill/>
-          </a:ln>
-          <a:effectLst>
-            <a:outerShdw blurRad="57150" dist="19050" dir="5400000" algn="bl" rotWithShape="0">
-              <a:srgbClr val="000000">
-                <a:alpha val="50000"/>
-              </a:srgbClr>
-            </a:outerShdw>
-          </a:effectLst>
-        </p:spPr>
-      </p:pic>
-      <p:pic>
-        <p:nvPicPr>
-          <p:cNvPr id="2" name="Audio 1">
+          <p:cNvPr id="4" name="Audio 3">
             <a:hlinkClick r:id="" action="ppaction://media"/>
             <a:extLst>
               <a:ext uri="{FF2B5EF4-FFF2-40B4-BE49-F238E27FC236}">
-                <a16:creationId xmlns:a16="http://schemas.microsoft.com/office/drawing/2014/main" id="{492AA31C-3586-43C6-AEB2-AF78E83045B0}"/>
+                <a16:creationId xmlns:a16="http://schemas.microsoft.com/office/drawing/2014/main" id="{C1EC2C1B-CAA2-4123-80CF-CE2F5EF24419}"/>
               </a:ext>
             </a:extLst>
           </p:cNvPr>
@@ -6935,7 +6988,7 @@
           </p:nvPr>
         </p:nvPicPr>
         <p:blipFill>
-          <a:blip r:embed="rId7"/>
+          <a:blip r:embed="rId4"/>
           <a:stretch>
             <a:fillRect/>
           </a:stretch>
@@ -6951,16 +7004,21 @@
         </p:spPr>
       </p:pic>
     </p:spTree>
+    <p:extLst>
+      <p:ext uri="{BB962C8B-B14F-4D97-AF65-F5344CB8AC3E}">
+        <p14:creationId xmlns:p14="http://schemas.microsoft.com/office/powerpoint/2010/main" val="4016143460"/>
+      </p:ext>
+    </p:extLst>
   </p:cSld>
   <p:clrMapOvr>
     <a:masterClrMapping/>
   </p:clrMapOvr>
   <mc:AlternateContent xmlns:mc="http://schemas.openxmlformats.org/markup-compatibility/2006">
     <mc:Choice xmlns:p14="http://schemas.microsoft.com/office/powerpoint/2010/main" Requires="p14">
-      <p:transition spd="slow" p14:dur="2000" advTm="37230"/>
+      <p:transition spd="slow" p14:dur="2000" advTm="8126"/>
     </mc:Choice>
     <mc:Fallback>
-      <p:transition spd="slow" advTm="37230"/>
+      <p:transition spd="slow" advTm="8126"/>
     </mc:Fallback>
   </mc:AlternateContent>
   <p:timing>
@@ -6996,7 +7054,7 @@
                                       <p:cBhvr>
                                         <p:cTn id="6" dur="1" fill="hold"/>
                                         <p:tgtEl>
-                                          <p:spTgt spid="2"/>
+                                          <p:spTgt spid="4"/>
                                         </p:tgtEl>
                                       </p:cBhvr>
                                     </p:cmd>
@@ -7041,7 +7099,7 @@
                   </p:endCondLst>
                 </p:cTn>
                 <p:tgtEl>
-                  <p:spTgt spid="2"/>
+                  <p:spTgt spid="4"/>
                 </p:tgtEl>
               </p:cMediaNode>
             </p:audio>
@@ -7058,7 +7116,7 @@
   <p:cSld>
     <p:spTree>
       <p:nvGrpSpPr>
-        <p:cNvPr id="1" name="Shape 165"/>
+        <p:cNvPr id="1" name="Shape 158"/>
         <p:cNvGrpSpPr/>
         <p:nvPr/>
       </p:nvGrpSpPr>
@@ -7072,7 +7130,7 @@
       </p:grpSpPr>
       <p:sp>
         <p:nvSpPr>
-          <p:cNvPr id="166" name="Google Shape;166;p24"/>
+          <p:cNvPr id="159" name="Google Shape;159;p23"/>
           <p:cNvSpPr txBox="1">
             <a:spLocks noGrp="1"/>
           </p:cNvSpPr>
@@ -7083,7 +7141,7 @@
         <p:spPr>
           <a:xfrm>
             <a:off x="729450" y="1318650"/>
-            <a:ext cx="7688400" cy="535200"/>
+            <a:ext cx="7688700" cy="535200"/>
           </a:xfrm>
           <a:prstGeom prst="rect">
             <a:avLst/>
@@ -7105,16 +7163,159 @@
               <a:buNone/>
             </a:pPr>
             <a:r>
-              <a:rPr lang="zh-CN"/>
-              <a:t>Advance text processing - TF-IDF</a:t>
+              <a:rPr lang="zh-CN" dirty="0"/>
+              <a:t>Bag of Word representatio</a:t>
             </a:r>
-            <a:endParaRPr/>
+            <a:r>
+              <a:rPr lang="en-US" altLang="zh-CN" dirty="0"/>
+              <a:t>n</a:t>
+            </a:r>
+            <a:r>
+              <a:rPr lang="zh-CN" dirty="0"/>
+              <a:t>- TF and TF-IDF</a:t>
+            </a:r>
+            <a:endParaRPr dirty="0"/>
+          </a:p>
+        </p:txBody>
+      </p:sp>
+      <p:sp>
+        <p:nvSpPr>
+          <p:cNvPr id="160" name="Google Shape;160;p23"/>
+          <p:cNvSpPr txBox="1">
+            <a:spLocks noGrp="1"/>
+          </p:cNvSpPr>
+          <p:nvPr>
+            <p:ph type="body" idx="1"/>
+          </p:nvPr>
+        </p:nvSpPr>
+        <p:spPr>
+          <a:xfrm>
+            <a:off x="729450" y="2078875"/>
+            <a:ext cx="3488400" cy="2885400"/>
+          </a:xfrm>
+          <a:prstGeom prst="rect">
+            <a:avLst/>
+          </a:prstGeom>
+        </p:spPr>
+        <p:txBody>
+          <a:bodyPr spcFirstLastPara="1" wrap="square" lIns="91425" tIns="91425" rIns="91425" bIns="91425" anchor="t" anchorCtr="0">
+            <a:noAutofit/>
+          </a:bodyPr>
+          <a:lstStyle/>
+          <a:p>
+            <a:pPr marL="0" lvl="0" indent="0" algn="l" rtl="0">
+              <a:spcBef>
+                <a:spcPts val="0"/>
+              </a:spcBef>
+              <a:spcAft>
+                <a:spcPts val="0"/>
+              </a:spcAft>
+              <a:buNone/>
+            </a:pPr>
+            <a:r>
+              <a:rPr lang="zh-CN" dirty="0"/>
+              <a:t>Three main steps are used:</a:t>
+            </a:r>
+            <a:endParaRPr dirty="0"/>
+          </a:p>
+          <a:p>
+            <a:pPr marL="457200" lvl="0" indent="-311150" algn="l" rtl="0">
+              <a:spcBef>
+                <a:spcPts val="1600"/>
+              </a:spcBef>
+              <a:spcAft>
+                <a:spcPts val="0"/>
+              </a:spcAft>
+              <a:buSzPts val="1300"/>
+              <a:buAutoNum type="arabicPeriod"/>
+            </a:pPr>
+            <a:r>
+              <a:rPr lang="zh-CN" dirty="0"/>
+              <a:t>Data pre-processing</a:t>
+            </a:r>
+            <a:r>
+              <a:rPr lang="en-US" altLang="zh-CN" dirty="0"/>
+              <a:t>: </a:t>
+            </a:r>
+            <a:r>
+              <a:rPr lang="zh-CN" dirty="0"/>
+              <a:t> removing punctuation and uppercase</a:t>
+            </a:r>
+            <a:endParaRPr dirty="0"/>
+          </a:p>
+          <a:p>
+            <a:pPr marL="457200" lvl="0" indent="-311150" algn="l" rtl="0">
+              <a:spcBef>
+                <a:spcPts val="0"/>
+              </a:spcBef>
+              <a:spcAft>
+                <a:spcPts val="0"/>
+              </a:spcAft>
+              <a:buSzPts val="1300"/>
+              <a:buAutoNum type="arabicPeriod"/>
+            </a:pPr>
+            <a:r>
+              <a:rPr lang="zh-CN" dirty="0"/>
+              <a:t>TfidfVectorizer() from sklearn used to get article vector represenations. Parameter is_idf changes for TF &amp; TF-IDF</a:t>
+            </a:r>
+            <a:endParaRPr dirty="0"/>
+          </a:p>
+          <a:p>
+            <a:pPr marL="457200" lvl="0" indent="-311150" algn="l" rtl="0">
+              <a:spcBef>
+                <a:spcPts val="0"/>
+              </a:spcBef>
+              <a:spcAft>
+                <a:spcPts val="0"/>
+              </a:spcAft>
+              <a:buSzPts val="1300"/>
+              <a:buChar char="-"/>
+            </a:pPr>
+            <a:r>
+              <a:rPr lang="zh-CN" dirty="0"/>
+              <a:t>For TF: is_idf = False</a:t>
+            </a:r>
+            <a:endParaRPr dirty="0"/>
+          </a:p>
+          <a:p>
+            <a:pPr marL="457200" lvl="0" indent="-311150" algn="l" rtl="0">
+              <a:spcBef>
+                <a:spcPts val="0"/>
+              </a:spcBef>
+              <a:spcAft>
+                <a:spcPts val="0"/>
+              </a:spcAft>
+              <a:buSzPts val="1300"/>
+              <a:buChar char="-"/>
+            </a:pPr>
+            <a:r>
+              <a:rPr lang="zh-CN" dirty="0"/>
+              <a:t>For TF-IDF = True</a:t>
+            </a:r>
+            <a:endParaRPr dirty="0"/>
+          </a:p>
+          <a:p>
+            <a:pPr marL="457200" lvl="0" indent="-311150" algn="l" rtl="0">
+              <a:spcBef>
+                <a:spcPts val="0"/>
+              </a:spcBef>
+              <a:spcAft>
+                <a:spcPts val="0"/>
+              </a:spcAft>
+              <a:buSzPts val="1300"/>
+              <a:buAutoNum type="arabicPeriod"/>
+            </a:pPr>
+            <a:r>
+              <a:rPr lang="zh-CN" dirty="0"/>
+              <a:t>The vector representation are merged with original dataset</a:t>
+            </a:r>
+            <a:endParaRPr dirty="0"/>
           </a:p>
         </p:txBody>
       </p:sp>
       <p:pic>
         <p:nvPicPr>
-          <p:cNvPr id="167" name="Google Shape;167;p24"/>
+          <p:cNvPr id="161" name="Google Shape;161;p23"/>
           <p:cNvPicPr preferRelativeResize="0"/>
           <p:nvPr/>
         </p:nvPicPr>
@@ -7128,8 +7329,8 @@
         </p:blipFill>
         <p:spPr>
           <a:xfrm>
-            <a:off x="255275" y="2210525"/>
-            <a:ext cx="6315774" cy="2793425"/>
+            <a:off x="4616575" y="1817886"/>
+            <a:ext cx="2798924" cy="722464"/>
           </a:xfrm>
           <a:prstGeom prst="rect">
             <a:avLst/>
@@ -7149,7 +7350,7 @@
       </p:pic>
       <p:pic>
         <p:nvPicPr>
-          <p:cNvPr id="168" name="Google Shape;168;p24"/>
+          <p:cNvPr id="162" name="Google Shape;162;p23"/>
           <p:cNvPicPr preferRelativeResize="0"/>
           <p:nvPr/>
         </p:nvPicPr>
@@ -7163,8 +7364,1187 @@
         </p:blipFill>
         <p:spPr>
           <a:xfrm>
-            <a:off x="4822250" y="1853850"/>
-            <a:ext cx="4063374" cy="949725"/>
+            <a:off x="4616577" y="2540338"/>
+            <a:ext cx="2798921" cy="225025"/>
+          </a:xfrm>
+          <a:prstGeom prst="rect">
+            <a:avLst/>
+          </a:prstGeom>
+          <a:noFill/>
+          <a:ln>
+            <a:noFill/>
+          </a:ln>
+          <a:effectLst>
+            <a:outerShdw blurRad="57150" dist="19050" dir="5400000" algn="bl" rotWithShape="0">
+              <a:srgbClr val="000000">
+                <a:alpha val="50000"/>
+              </a:srgbClr>
+            </a:outerShdw>
+          </a:effectLst>
+        </p:spPr>
+      </p:pic>
+      <p:pic>
+        <p:nvPicPr>
+          <p:cNvPr id="163" name="Google Shape;163;p23"/>
+          <p:cNvPicPr preferRelativeResize="0"/>
+          <p:nvPr/>
+        </p:nvPicPr>
+        <p:blipFill>
+          <a:blip r:embed="rId7">
+            <a:alphaModFix/>
+          </a:blip>
+          <a:stretch>
+            <a:fillRect/>
+          </a:stretch>
+        </p:blipFill>
+        <p:spPr>
+          <a:xfrm>
+            <a:off x="4475050" y="4494600"/>
+            <a:ext cx="4450890" cy="535200"/>
+          </a:xfrm>
+          <a:prstGeom prst="rect">
+            <a:avLst/>
+          </a:prstGeom>
+          <a:noFill/>
+          <a:ln>
+            <a:noFill/>
+          </a:ln>
+          <a:effectLst>
+            <a:outerShdw blurRad="57150" dist="19050" dir="5400000" algn="bl" rotWithShape="0">
+              <a:srgbClr val="000000">
+                <a:alpha val="50000"/>
+              </a:srgbClr>
+            </a:outerShdw>
+          </a:effectLst>
+        </p:spPr>
+      </p:pic>
+      <p:pic>
+        <p:nvPicPr>
+          <p:cNvPr id="164" name="Google Shape;164;p23"/>
+          <p:cNvPicPr preferRelativeResize="0"/>
+          <p:nvPr/>
+        </p:nvPicPr>
+        <p:blipFill>
+          <a:blip r:embed="rId8">
+            <a:alphaModFix/>
+          </a:blip>
+          <a:stretch>
+            <a:fillRect/>
+          </a:stretch>
+        </p:blipFill>
+        <p:spPr>
+          <a:xfrm>
+            <a:off x="4475048" y="2994060"/>
+            <a:ext cx="3081974" cy="720352"/>
+          </a:xfrm>
+          <a:prstGeom prst="rect">
+            <a:avLst/>
+          </a:prstGeom>
+          <a:noFill/>
+          <a:ln>
+            <a:noFill/>
+          </a:ln>
+          <a:effectLst>
+            <a:outerShdw blurRad="57150" dist="19050" dir="5400000" algn="bl" rotWithShape="0">
+              <a:srgbClr val="000000">
+                <a:alpha val="50000"/>
+              </a:srgbClr>
+            </a:outerShdw>
+          </a:effectLst>
+        </p:spPr>
+      </p:pic>
+      <p:pic>
+        <p:nvPicPr>
+          <p:cNvPr id="165" name="Google Shape;165;p23"/>
+          <p:cNvPicPr preferRelativeResize="0"/>
+          <p:nvPr/>
+        </p:nvPicPr>
+        <p:blipFill>
+          <a:blip r:embed="rId9">
+            <a:alphaModFix/>
+          </a:blip>
+          <a:stretch>
+            <a:fillRect/>
+          </a:stretch>
+        </p:blipFill>
+        <p:spPr>
+          <a:xfrm>
+            <a:off x="4475050" y="3714388"/>
+            <a:ext cx="3488401" cy="276406"/>
+          </a:xfrm>
+          <a:prstGeom prst="rect">
+            <a:avLst/>
+          </a:prstGeom>
+          <a:noFill/>
+          <a:ln>
+            <a:noFill/>
+          </a:ln>
+          <a:effectLst>
+            <a:outerShdw blurRad="57150" dist="19050" dir="5400000" algn="bl" rotWithShape="0">
+              <a:srgbClr val="000000">
+                <a:alpha val="50000"/>
+              </a:srgbClr>
+            </a:outerShdw>
+          </a:effectLst>
+        </p:spPr>
+      </p:pic>
+      <p:pic>
+        <p:nvPicPr>
+          <p:cNvPr id="166" name="Google Shape;166;p23"/>
+          <p:cNvPicPr preferRelativeResize="0"/>
+          <p:nvPr/>
+        </p:nvPicPr>
+        <p:blipFill>
+          <a:blip r:embed="rId10">
+            <a:alphaModFix/>
+          </a:blip>
+          <a:stretch>
+            <a:fillRect/>
+          </a:stretch>
+        </p:blipFill>
+        <p:spPr>
+          <a:xfrm>
+            <a:off x="4475050" y="4168100"/>
+            <a:ext cx="4450899" cy="308507"/>
+          </a:xfrm>
+          <a:prstGeom prst="rect">
+            <a:avLst/>
+          </a:prstGeom>
+          <a:noFill/>
+          <a:ln>
+            <a:noFill/>
+          </a:ln>
+          <a:effectLst>
+            <a:outerShdw blurRad="57150" dist="19050" dir="5400000" algn="bl" rotWithShape="0">
+              <a:srgbClr val="000000">
+                <a:alpha val="50000"/>
+              </a:srgbClr>
+            </a:outerShdw>
+          </a:effectLst>
+        </p:spPr>
+      </p:pic>
+      <p:pic>
+        <p:nvPicPr>
+          <p:cNvPr id="9" name="Audio 8">
+            <a:hlinkClick r:id="" action="ppaction://media"/>
+            <a:extLst>
+              <a:ext uri="{FF2B5EF4-FFF2-40B4-BE49-F238E27FC236}">
+                <a16:creationId xmlns:a16="http://schemas.microsoft.com/office/drawing/2014/main" id="{9E5F342C-70EE-4896-BC84-BBFED099DA5A}"/>
+              </a:ext>
+            </a:extLst>
+          </p:cNvPr>
+          <p:cNvPicPr>
+            <a:picLocks noChangeAspect="1"/>
+          </p:cNvPicPr>
+          <p:nvPr>
+            <a:audioFile r:link="rId2"/>
+            <p:extLst>
+              <p:ext uri="{DAA4B4D4-6D71-4841-9C94-3DE7FCFB9230}">
+                <p14:media xmlns:p14="http://schemas.microsoft.com/office/powerpoint/2010/main" r:embed="rId1"/>
+              </p:ext>
+            </p:extLst>
+          </p:nvPr>
+        </p:nvPicPr>
+        <p:blipFill>
+          <a:blip r:embed="rId11"/>
+          <a:stretch>
+            <a:fillRect/>
+          </a:stretch>
+        </p:blipFill>
+        <p:spPr>
+          <a:xfrm>
+            <a:off x="8585200" y="4584700"/>
+            <a:ext cx="406400" cy="406400"/>
+          </a:xfrm>
+          <a:prstGeom prst="rect">
+            <a:avLst/>
+          </a:prstGeom>
+        </p:spPr>
+      </p:pic>
+    </p:spTree>
+  </p:cSld>
+  <p:clrMapOvr>
+    <a:masterClrMapping/>
+  </p:clrMapOvr>
+  <mc:AlternateContent xmlns:mc="http://schemas.openxmlformats.org/markup-compatibility/2006">
+    <mc:Choice xmlns:p14="http://schemas.microsoft.com/office/powerpoint/2010/main" Requires="p14">
+      <p:transition spd="slow" p14:dur="2000" advTm="38137"/>
+    </mc:Choice>
+    <mc:Fallback>
+      <p:transition spd="slow" advTm="38137"/>
+    </mc:Fallback>
+  </mc:AlternateContent>
+  <p:timing>
+    <p:tnLst>
+      <p:par>
+        <p:cTn id="1" dur="indefinite" restart="never" nodeType="tmRoot">
+          <p:childTnLst>
+            <p:seq concurrent="1" nextAc="seek">
+              <p:cTn id="2" dur="indefinite" nodeType="mainSeq">
+                <p:childTnLst>
+                  <p:par>
+                    <p:cTn id="3" fill="hold">
+                      <p:stCondLst>
+                        <p:cond delay="indefinite"/>
+                        <p:cond evt="onBegin" delay="0">
+                          <p:tn val="2"/>
+                        </p:cond>
+                      </p:stCondLst>
+                      <p:childTnLst>
+                        <p:par>
+                          <p:cTn id="4" fill="hold">
+                            <p:stCondLst>
+                              <p:cond delay="0"/>
+                            </p:stCondLst>
+                            <p:childTnLst>
+                              <p:par>
+                                <p:cTn id="5" presetID="1" presetClass="mediacall" presetSubtype="0" fill="hold" nodeType="afterEffect">
+                                  <p:stCondLst>
+                                    <p:cond delay="0"/>
+                                  </p:stCondLst>
+                                  <p:childTnLst>
+                                    <p:cmd type="call" cmd="playFrom(0.0)">
+                                      <p:cBhvr>
+                                        <p:cTn id="6" dur="1" fill="hold"/>
+                                        <p:tgtEl>
+                                          <p:spTgt spid="9"/>
+                                        </p:tgtEl>
+                                      </p:cBhvr>
+                                    </p:cmd>
+                                  </p:childTnLst>
+                                </p:cTn>
+                              </p:par>
+                            </p:childTnLst>
+                          </p:cTn>
+                        </p:par>
+                      </p:childTnLst>
+                    </p:cTn>
+                  </p:par>
+                </p:childTnLst>
+              </p:cTn>
+              <p:prevCondLst>
+                <p:cond evt="onPrev" delay="0">
+                  <p:tgtEl>
+                    <p:sldTgt/>
+                  </p:tgtEl>
+                </p:cond>
+              </p:prevCondLst>
+              <p:nextCondLst>
+                <p:cond evt="onNext" delay="0">
+                  <p:tgtEl>
+                    <p:sldTgt/>
+                  </p:tgtEl>
+                </p:cond>
+              </p:nextCondLst>
+            </p:seq>
+            <p:audio isNarration="1">
+              <p:cMediaNode vol="80000" showWhenStopped="0">
+                <p:cTn id="7" fill="hold" display="0">
+                  <p:stCondLst>
+                    <p:cond delay="indefinite"/>
+                  </p:stCondLst>
+                  <p:endCondLst>
+                    <p:cond evt="onStopAudio" delay="0">
+                      <p:tgtEl>
+                        <p:sldTgt/>
+                      </p:tgtEl>
+                    </p:cond>
+                  </p:endCondLst>
+                </p:cTn>
+                <p:tgtEl>
+                  <p:spTgt spid="9"/>
+                </p:tgtEl>
+              </p:cMediaNode>
+            </p:audio>
+          </p:childTnLst>
+        </p:cTn>
+      </p:par>
+    </p:tnLst>
+  </p:timing>
+</p:sld>
+</file>
+
+<file path=ppt/slides/slide3.xml><?xml version="1.0" encoding="utf-8"?>
+<p:sld xmlns:a="http://schemas.openxmlformats.org/drawingml/2006/main" xmlns:r="http://schemas.openxmlformats.org/officeDocument/2006/relationships" xmlns:p="http://schemas.openxmlformats.org/presentationml/2006/main">
+  <p:cSld>
+    <p:spTree>
+      <p:nvGrpSpPr>
+        <p:cNvPr id="1" name="Shape 170"/>
+        <p:cNvGrpSpPr/>
+        <p:nvPr/>
+      </p:nvGrpSpPr>
+      <p:grpSpPr>
+        <a:xfrm>
+          <a:off x="0" y="0"/>
+          <a:ext cx="0" cy="0"/>
+          <a:chOff x="0" y="0"/>
+          <a:chExt cx="0" cy="0"/>
+        </a:xfrm>
+      </p:grpSpPr>
+      <p:sp>
+        <p:nvSpPr>
+          <p:cNvPr id="171" name="Google Shape;171;p24"/>
+          <p:cNvSpPr txBox="1">
+            <a:spLocks noGrp="1"/>
+          </p:cNvSpPr>
+          <p:nvPr>
+            <p:ph type="title"/>
+          </p:nvPr>
+        </p:nvSpPr>
+        <p:spPr>
+          <a:xfrm>
+            <a:off x="729450" y="1318650"/>
+            <a:ext cx="7688700" cy="535200"/>
+          </a:xfrm>
+          <a:prstGeom prst="rect">
+            <a:avLst/>
+          </a:prstGeom>
+        </p:spPr>
+        <p:txBody>
+          <a:bodyPr spcFirstLastPara="1" wrap="square" lIns="91425" tIns="91425" rIns="91425" bIns="91425" anchor="t" anchorCtr="0">
+            <a:noAutofit/>
+          </a:bodyPr>
+          <a:lstStyle/>
+          <a:p>
+            <a:pPr marL="0" lvl="0" indent="0" algn="l" rtl="0">
+              <a:spcBef>
+                <a:spcPts val="0"/>
+              </a:spcBef>
+              <a:spcAft>
+                <a:spcPts val="0"/>
+              </a:spcAft>
+              <a:buNone/>
+            </a:pPr>
+            <a:r>
+              <a:rPr lang="zh-CN"/>
+              <a:t>Word Embedding Techniques - Word2Vec</a:t>
+            </a:r>
+            <a:endParaRPr/>
+          </a:p>
+        </p:txBody>
+      </p:sp>
+      <p:sp>
+        <p:nvSpPr>
+          <p:cNvPr id="172" name="Google Shape;172;p24"/>
+          <p:cNvSpPr txBox="1">
+            <a:spLocks noGrp="1"/>
+          </p:cNvSpPr>
+          <p:nvPr>
+            <p:ph type="body" idx="1"/>
+          </p:nvPr>
+        </p:nvSpPr>
+        <p:spPr>
+          <a:xfrm>
+            <a:off x="729450" y="2078875"/>
+            <a:ext cx="7688700" cy="2261100"/>
+          </a:xfrm>
+          <a:prstGeom prst="rect">
+            <a:avLst/>
+          </a:prstGeom>
+        </p:spPr>
+        <p:txBody>
+          <a:bodyPr spcFirstLastPara="1" wrap="square" lIns="91425" tIns="91425" rIns="91425" bIns="91425" anchor="t" anchorCtr="0">
+            <a:noAutofit/>
+          </a:bodyPr>
+          <a:lstStyle/>
+          <a:p>
+            <a:pPr marL="0" lvl="0" indent="0" algn="l" rtl="0">
+              <a:spcBef>
+                <a:spcPts val="0"/>
+              </a:spcBef>
+              <a:spcAft>
+                <a:spcPts val="0"/>
+              </a:spcAft>
+              <a:buNone/>
+            </a:pPr>
+            <a:r>
+              <a:rPr lang="zh-CN"/>
+              <a:t>A pre-trained Word2Vec Google news model is used. The text processing is done in 3 main steps:</a:t>
+            </a:r>
+            <a:endParaRPr/>
+          </a:p>
+          <a:p>
+            <a:pPr marL="457200" lvl="0" indent="-311150" algn="l" rtl="0">
+              <a:spcBef>
+                <a:spcPts val="1600"/>
+              </a:spcBef>
+              <a:spcAft>
+                <a:spcPts val="0"/>
+              </a:spcAft>
+              <a:buSzPts val="1300"/>
+              <a:buAutoNum type="arabicPeriod"/>
+            </a:pPr>
+            <a:r>
+              <a:rPr lang="zh-CN"/>
+              <a:t>Preprocessing  data</a:t>
+            </a:r>
+            <a:endParaRPr/>
+          </a:p>
+          <a:p>
+            <a:pPr marL="457200" lvl="0" indent="-311150" algn="l" rtl="0">
+              <a:spcBef>
+                <a:spcPts val="0"/>
+              </a:spcBef>
+              <a:spcAft>
+                <a:spcPts val="0"/>
+              </a:spcAft>
+              <a:buSzPts val="1300"/>
+              <a:buAutoNum type="arabicPeriod"/>
+            </a:pPr>
+            <a:r>
+              <a:rPr lang="zh-CN"/>
+              <a:t>Get word embeddings for the news articles using the model</a:t>
+            </a:r>
+            <a:endParaRPr/>
+          </a:p>
+          <a:p>
+            <a:pPr marL="457200" lvl="0" indent="-311150" algn="l" rtl="0">
+              <a:spcBef>
+                <a:spcPts val="0"/>
+              </a:spcBef>
+              <a:spcAft>
+                <a:spcPts val="0"/>
+              </a:spcAft>
+              <a:buSzPts val="1300"/>
+              <a:buAutoNum type="arabicPeriod"/>
+            </a:pPr>
+            <a:r>
+              <a:rPr lang="zh-CN"/>
+              <a:t>Adapt the words vector representation to be used by scikit-learn algorithms</a:t>
+            </a:r>
+            <a:endParaRPr/>
+          </a:p>
+        </p:txBody>
+      </p:sp>
+      <p:pic>
+        <p:nvPicPr>
+          <p:cNvPr id="6" name="Audio 5">
+            <a:hlinkClick r:id="" action="ppaction://media"/>
+            <a:extLst>
+              <a:ext uri="{FF2B5EF4-FFF2-40B4-BE49-F238E27FC236}">
+                <a16:creationId xmlns:a16="http://schemas.microsoft.com/office/drawing/2014/main" id="{5D2E2341-518F-407A-9780-D4E53CBD0D32}"/>
+              </a:ext>
+            </a:extLst>
+          </p:cNvPr>
+          <p:cNvPicPr>
+            <a:picLocks noChangeAspect="1"/>
+          </p:cNvPicPr>
+          <p:nvPr>
+            <a:audioFile r:link="rId2"/>
+            <p:extLst>
+              <p:ext uri="{DAA4B4D4-6D71-4841-9C94-3DE7FCFB9230}">
+                <p14:media xmlns:p14="http://schemas.microsoft.com/office/powerpoint/2010/main" r:embed="rId1"/>
+              </p:ext>
+            </p:extLst>
+          </p:nvPr>
+        </p:nvPicPr>
+        <p:blipFill>
+          <a:blip r:embed="rId5"/>
+          <a:stretch>
+            <a:fillRect/>
+          </a:stretch>
+        </p:blipFill>
+        <p:spPr>
+          <a:xfrm>
+            <a:off x="8585200" y="4584700"/>
+            <a:ext cx="406400" cy="406400"/>
+          </a:xfrm>
+          <a:prstGeom prst="rect">
+            <a:avLst/>
+          </a:prstGeom>
+        </p:spPr>
+      </p:pic>
+    </p:spTree>
+  </p:cSld>
+  <p:clrMapOvr>
+    <a:masterClrMapping/>
+  </p:clrMapOvr>
+  <mc:AlternateContent xmlns:mc="http://schemas.openxmlformats.org/markup-compatibility/2006">
+    <mc:Choice xmlns:p14="http://schemas.microsoft.com/office/powerpoint/2010/main" Requires="p14">
+      <p:transition spd="slow" p14:dur="2000" advTm="13263"/>
+    </mc:Choice>
+    <mc:Fallback>
+      <p:transition spd="slow" advTm="13263"/>
+    </mc:Fallback>
+  </mc:AlternateContent>
+  <p:timing>
+    <p:tnLst>
+      <p:par>
+        <p:cTn id="1" dur="indefinite" restart="never" nodeType="tmRoot">
+          <p:childTnLst>
+            <p:seq concurrent="1" nextAc="seek">
+              <p:cTn id="2" dur="indefinite" nodeType="mainSeq">
+                <p:childTnLst>
+                  <p:par>
+                    <p:cTn id="3" fill="hold">
+                      <p:stCondLst>
+                        <p:cond delay="indefinite"/>
+                        <p:cond evt="onBegin" delay="0">
+                          <p:tn val="2"/>
+                        </p:cond>
+                      </p:stCondLst>
+                      <p:childTnLst>
+                        <p:par>
+                          <p:cTn id="4" fill="hold">
+                            <p:stCondLst>
+                              <p:cond delay="0"/>
+                            </p:stCondLst>
+                            <p:childTnLst>
+                              <p:par>
+                                <p:cTn id="5" presetID="1" presetClass="mediacall" presetSubtype="0" fill="hold" nodeType="afterEffect">
+                                  <p:stCondLst>
+                                    <p:cond delay="0"/>
+                                  </p:stCondLst>
+                                  <p:childTnLst>
+                                    <p:cmd type="call" cmd="playFrom(0.0)">
+                                      <p:cBhvr>
+                                        <p:cTn id="6" dur="1" fill="hold"/>
+                                        <p:tgtEl>
+                                          <p:spTgt spid="6"/>
+                                        </p:tgtEl>
+                                      </p:cBhvr>
+                                    </p:cmd>
+                                  </p:childTnLst>
+                                </p:cTn>
+                              </p:par>
+                            </p:childTnLst>
+                          </p:cTn>
+                        </p:par>
+                      </p:childTnLst>
+                    </p:cTn>
+                  </p:par>
+                </p:childTnLst>
+              </p:cTn>
+              <p:prevCondLst>
+                <p:cond evt="onPrev" delay="0">
+                  <p:tgtEl>
+                    <p:sldTgt/>
+                  </p:tgtEl>
+                </p:cond>
+              </p:prevCondLst>
+              <p:nextCondLst>
+                <p:cond evt="onNext" delay="0">
+                  <p:tgtEl>
+                    <p:sldTgt/>
+                  </p:tgtEl>
+                </p:cond>
+              </p:nextCondLst>
+            </p:seq>
+            <p:audio isNarration="1">
+              <p:cMediaNode vol="80000" showWhenStopped="0">
+                <p:cTn id="7" fill="hold" display="0">
+                  <p:stCondLst>
+                    <p:cond delay="indefinite"/>
+                  </p:stCondLst>
+                  <p:endCondLst>
+                    <p:cond evt="onStopAudio" delay="0">
+                      <p:tgtEl>
+                        <p:sldTgt/>
+                      </p:tgtEl>
+                    </p:cond>
+                  </p:endCondLst>
+                </p:cTn>
+                <p:tgtEl>
+                  <p:spTgt spid="6"/>
+                </p:tgtEl>
+              </p:cMediaNode>
+            </p:audio>
+          </p:childTnLst>
+        </p:cTn>
+      </p:par>
+    </p:tnLst>
+  </p:timing>
+</p:sld>
+</file>
+
+<file path=ppt/slides/slide4.xml><?xml version="1.0" encoding="utf-8"?>
+<p:sld xmlns:a="http://schemas.openxmlformats.org/drawingml/2006/main" xmlns:r="http://schemas.openxmlformats.org/officeDocument/2006/relationships" xmlns:p="http://schemas.openxmlformats.org/presentationml/2006/main">
+  <p:cSld>
+    <p:spTree>
+      <p:nvGrpSpPr>
+        <p:cNvPr id="1" name="Shape 176"/>
+        <p:cNvGrpSpPr/>
+        <p:nvPr/>
+      </p:nvGrpSpPr>
+      <p:grpSpPr>
+        <a:xfrm>
+          <a:off x="0" y="0"/>
+          <a:ext cx="0" cy="0"/>
+          <a:chOff x="0" y="0"/>
+          <a:chExt cx="0" cy="0"/>
+        </a:xfrm>
+      </p:grpSpPr>
+      <p:sp>
+        <p:nvSpPr>
+          <p:cNvPr id="177" name="Google Shape;177;p25"/>
+          <p:cNvSpPr txBox="1">
+            <a:spLocks noGrp="1"/>
+          </p:cNvSpPr>
+          <p:nvPr>
+            <p:ph type="title"/>
+          </p:nvPr>
+        </p:nvSpPr>
+        <p:spPr>
+          <a:xfrm>
+            <a:off x="727650" y="1318650"/>
+            <a:ext cx="7688700" cy="535200"/>
+          </a:xfrm>
+          <a:prstGeom prst="rect">
+            <a:avLst/>
+          </a:prstGeom>
+        </p:spPr>
+        <p:txBody>
+          <a:bodyPr spcFirstLastPara="1" wrap="square" lIns="91425" tIns="91425" rIns="91425" bIns="91425" anchor="t" anchorCtr="0">
+            <a:noAutofit/>
+          </a:bodyPr>
+          <a:lstStyle/>
+          <a:p>
+            <a:pPr marL="0" lvl="0" indent="0" algn="l" rtl="0">
+              <a:spcBef>
+                <a:spcPts val="0"/>
+              </a:spcBef>
+              <a:spcAft>
+                <a:spcPts val="0"/>
+              </a:spcAft>
+              <a:buNone/>
+            </a:pPr>
+            <a:r>
+              <a:rPr lang="zh-CN"/>
+              <a:t>Preprocessing data</a:t>
+            </a:r>
+            <a:endParaRPr/>
+          </a:p>
+        </p:txBody>
+      </p:sp>
+      <p:sp>
+        <p:nvSpPr>
+          <p:cNvPr id="178" name="Google Shape;178;p25"/>
+          <p:cNvSpPr txBox="1">
+            <a:spLocks noGrp="1"/>
+          </p:cNvSpPr>
+          <p:nvPr>
+            <p:ph type="body" idx="1"/>
+          </p:nvPr>
+        </p:nvSpPr>
+        <p:spPr>
+          <a:xfrm>
+            <a:off x="729450" y="2078875"/>
+            <a:ext cx="3437100" cy="2261100"/>
+          </a:xfrm>
+          <a:prstGeom prst="rect">
+            <a:avLst/>
+          </a:prstGeom>
+        </p:spPr>
+        <p:txBody>
+          <a:bodyPr spcFirstLastPara="1" wrap="square" lIns="91425" tIns="91425" rIns="91425" bIns="91425" anchor="t" anchorCtr="0">
+            <a:noAutofit/>
+          </a:bodyPr>
+          <a:lstStyle/>
+          <a:p>
+            <a:pPr marL="457200" lvl="0" indent="-311150" algn="l" rtl="0">
+              <a:spcBef>
+                <a:spcPts val="0"/>
+              </a:spcBef>
+              <a:spcAft>
+                <a:spcPts val="0"/>
+              </a:spcAft>
+              <a:buSzPts val="1300"/>
+              <a:buAutoNum type="arabicPeriod"/>
+            </a:pPr>
+            <a:r>
+              <a:rPr lang="zh-CN"/>
+              <a:t>Get word tokens for each article</a:t>
+            </a:r>
+            <a:endParaRPr/>
+          </a:p>
+          <a:p>
+            <a:pPr marL="457200" lvl="0" indent="-311150" algn="l" rtl="0">
+              <a:spcBef>
+                <a:spcPts val="0"/>
+              </a:spcBef>
+              <a:spcAft>
+                <a:spcPts val="0"/>
+              </a:spcAft>
+              <a:buSzPts val="1300"/>
+              <a:buAutoNum type="arabicPeriod"/>
+            </a:pPr>
+            <a:r>
+              <a:rPr lang="zh-CN"/>
+              <a:t>Basic preprocessing including removing stopwords, punctuation</a:t>
+            </a:r>
+            <a:endParaRPr/>
+          </a:p>
+          <a:p>
+            <a:pPr marL="457200" lvl="0" indent="-311150" algn="l" rtl="0">
+              <a:spcBef>
+                <a:spcPts val="0"/>
+              </a:spcBef>
+              <a:spcAft>
+                <a:spcPts val="0"/>
+              </a:spcAft>
+              <a:buSzPts val="1300"/>
+              <a:buAutoNum type="arabicPeriod"/>
+            </a:pPr>
+            <a:r>
+              <a:rPr lang="zh-CN"/>
+              <a:t>Remove any words that are not in the pretrained model vocabulary</a:t>
+            </a:r>
+            <a:endParaRPr/>
+          </a:p>
+        </p:txBody>
+      </p:sp>
+      <p:pic>
+        <p:nvPicPr>
+          <p:cNvPr id="179" name="Google Shape;179;p25"/>
+          <p:cNvPicPr preferRelativeResize="0"/>
+          <p:nvPr/>
+        </p:nvPicPr>
+        <p:blipFill>
+          <a:blip r:embed="rId5">
+            <a:alphaModFix/>
+          </a:blip>
+          <a:stretch>
+            <a:fillRect/>
+          </a:stretch>
+        </p:blipFill>
+        <p:spPr>
+          <a:xfrm>
+            <a:off x="5029309" y="1853862"/>
+            <a:ext cx="3388841" cy="493737"/>
+          </a:xfrm>
+          <a:prstGeom prst="rect">
+            <a:avLst/>
+          </a:prstGeom>
+          <a:noFill/>
+          <a:ln>
+            <a:noFill/>
+          </a:ln>
+          <a:effectLst>
+            <a:outerShdw blurRad="57150" dist="19050" dir="5400000" algn="bl" rotWithShape="0">
+              <a:srgbClr val="000000">
+                <a:alpha val="50000"/>
+              </a:srgbClr>
+            </a:outerShdw>
+          </a:effectLst>
+        </p:spPr>
+      </p:pic>
+      <p:pic>
+        <p:nvPicPr>
+          <p:cNvPr id="180" name="Google Shape;180;p25"/>
+          <p:cNvPicPr preferRelativeResize="0"/>
+          <p:nvPr/>
+        </p:nvPicPr>
+        <p:blipFill>
+          <a:blip r:embed="rId6">
+            <a:alphaModFix/>
+          </a:blip>
+          <a:stretch>
+            <a:fillRect/>
+          </a:stretch>
+        </p:blipFill>
+        <p:spPr>
+          <a:xfrm>
+            <a:off x="5078513" y="2469248"/>
+            <a:ext cx="3437101" cy="656777"/>
+          </a:xfrm>
+          <a:prstGeom prst="rect">
+            <a:avLst/>
+          </a:prstGeom>
+          <a:noFill/>
+          <a:ln>
+            <a:noFill/>
+          </a:ln>
+          <a:effectLst>
+            <a:outerShdw blurRad="57150" dist="19050" dir="5400000" algn="bl" rotWithShape="0">
+              <a:srgbClr val="000000">
+                <a:alpha val="50000"/>
+              </a:srgbClr>
+            </a:outerShdw>
+          </a:effectLst>
+        </p:spPr>
+      </p:pic>
+      <p:pic>
+        <p:nvPicPr>
+          <p:cNvPr id="181" name="Google Shape;181;p25"/>
+          <p:cNvPicPr preferRelativeResize="0"/>
+          <p:nvPr/>
+        </p:nvPicPr>
+        <p:blipFill>
+          <a:blip r:embed="rId7">
+            <a:alphaModFix/>
+          </a:blip>
+          <a:stretch>
+            <a:fillRect/>
+          </a:stretch>
+        </p:blipFill>
+        <p:spPr>
+          <a:xfrm>
+            <a:off x="5130875" y="3189550"/>
+            <a:ext cx="3746424" cy="352775"/>
+          </a:xfrm>
+          <a:prstGeom prst="rect">
+            <a:avLst/>
+          </a:prstGeom>
+          <a:noFill/>
+          <a:ln>
+            <a:noFill/>
+          </a:ln>
+          <a:effectLst>
+            <a:outerShdw blurRad="57150" dist="19050" dir="5400000" algn="bl" rotWithShape="0">
+              <a:srgbClr val="000000">
+                <a:alpha val="50000"/>
+              </a:srgbClr>
+            </a:outerShdw>
+          </a:effectLst>
+        </p:spPr>
+      </p:pic>
+      <p:pic>
+        <p:nvPicPr>
+          <p:cNvPr id="182" name="Google Shape;182;p25"/>
+          <p:cNvPicPr preferRelativeResize="0"/>
+          <p:nvPr/>
+        </p:nvPicPr>
+        <p:blipFill>
+          <a:blip r:embed="rId8">
+            <a:alphaModFix/>
+          </a:blip>
+          <a:stretch>
+            <a:fillRect/>
+          </a:stretch>
+        </p:blipFill>
+        <p:spPr>
+          <a:xfrm>
+            <a:off x="729450" y="3605850"/>
+            <a:ext cx="7909327" cy="1291525"/>
+          </a:xfrm>
+          <a:prstGeom prst="rect">
+            <a:avLst/>
+          </a:prstGeom>
+          <a:noFill/>
+          <a:ln>
+            <a:noFill/>
+          </a:ln>
+          <a:effectLst>
+            <a:outerShdw blurRad="57150" dist="19050" dir="5400000" algn="bl" rotWithShape="0">
+              <a:srgbClr val="000000">
+                <a:alpha val="50000"/>
+              </a:srgbClr>
+            </a:outerShdw>
+          </a:effectLst>
+        </p:spPr>
+      </p:pic>
+      <p:pic>
+        <p:nvPicPr>
+          <p:cNvPr id="7" name="Audio 6">
+            <a:hlinkClick r:id="" action="ppaction://media"/>
+            <a:extLst>
+              <a:ext uri="{FF2B5EF4-FFF2-40B4-BE49-F238E27FC236}">
+                <a16:creationId xmlns:a16="http://schemas.microsoft.com/office/drawing/2014/main" id="{369E71BD-CF5F-4392-A7B1-B069CF540D7A}"/>
+              </a:ext>
+            </a:extLst>
+          </p:cNvPr>
+          <p:cNvPicPr>
+            <a:picLocks noChangeAspect="1"/>
+          </p:cNvPicPr>
+          <p:nvPr>
+            <a:audioFile r:link="rId2"/>
+            <p:extLst>
+              <p:ext uri="{DAA4B4D4-6D71-4841-9C94-3DE7FCFB9230}">
+                <p14:media xmlns:p14="http://schemas.microsoft.com/office/powerpoint/2010/main" r:embed="rId1"/>
+              </p:ext>
+            </p:extLst>
+          </p:nvPr>
+        </p:nvPicPr>
+        <p:blipFill>
+          <a:blip r:embed="rId9"/>
+          <a:stretch>
+            <a:fillRect/>
+          </a:stretch>
+        </p:blipFill>
+        <p:spPr>
+          <a:xfrm>
+            <a:off x="8585200" y="4584700"/>
+            <a:ext cx="406400" cy="406400"/>
+          </a:xfrm>
+          <a:prstGeom prst="rect">
+            <a:avLst/>
+          </a:prstGeom>
+        </p:spPr>
+      </p:pic>
+    </p:spTree>
+  </p:cSld>
+  <p:clrMapOvr>
+    <a:masterClrMapping/>
+  </p:clrMapOvr>
+  <mc:AlternateContent xmlns:mc="http://schemas.openxmlformats.org/markup-compatibility/2006">
+    <mc:Choice xmlns:p14="http://schemas.microsoft.com/office/powerpoint/2010/main" Requires="p14">
+      <p:transition spd="slow" p14:dur="2000" advTm="17914"/>
+    </mc:Choice>
+    <mc:Fallback>
+      <p:transition spd="slow" advTm="17914"/>
+    </mc:Fallback>
+  </mc:AlternateContent>
+  <p:timing>
+    <p:tnLst>
+      <p:par>
+        <p:cTn id="1" dur="indefinite" restart="never" nodeType="tmRoot">
+          <p:childTnLst>
+            <p:seq concurrent="1" nextAc="seek">
+              <p:cTn id="2" dur="indefinite" nodeType="mainSeq">
+                <p:childTnLst>
+                  <p:par>
+                    <p:cTn id="3" fill="hold">
+                      <p:stCondLst>
+                        <p:cond delay="indefinite"/>
+                        <p:cond evt="onBegin" delay="0">
+                          <p:tn val="2"/>
+                        </p:cond>
+                      </p:stCondLst>
+                      <p:childTnLst>
+                        <p:par>
+                          <p:cTn id="4" fill="hold">
+                            <p:stCondLst>
+                              <p:cond delay="0"/>
+                            </p:stCondLst>
+                            <p:childTnLst>
+                              <p:par>
+                                <p:cTn id="5" presetID="1" presetClass="mediacall" presetSubtype="0" fill="hold" nodeType="afterEffect">
+                                  <p:stCondLst>
+                                    <p:cond delay="0"/>
+                                  </p:stCondLst>
+                                  <p:childTnLst>
+                                    <p:cmd type="call" cmd="playFrom(0.0)">
+                                      <p:cBhvr>
+                                        <p:cTn id="6" dur="1" fill="hold"/>
+                                        <p:tgtEl>
+                                          <p:spTgt spid="7"/>
+                                        </p:tgtEl>
+                                      </p:cBhvr>
+                                    </p:cmd>
+                                  </p:childTnLst>
+                                </p:cTn>
+                              </p:par>
+                            </p:childTnLst>
+                          </p:cTn>
+                        </p:par>
+                      </p:childTnLst>
+                    </p:cTn>
+                  </p:par>
+                </p:childTnLst>
+              </p:cTn>
+              <p:prevCondLst>
+                <p:cond evt="onPrev" delay="0">
+                  <p:tgtEl>
+                    <p:sldTgt/>
+                  </p:tgtEl>
+                </p:cond>
+              </p:prevCondLst>
+              <p:nextCondLst>
+                <p:cond evt="onNext" delay="0">
+                  <p:tgtEl>
+                    <p:sldTgt/>
+                  </p:tgtEl>
+                </p:cond>
+              </p:nextCondLst>
+            </p:seq>
+            <p:audio isNarration="1">
+              <p:cMediaNode vol="80000" showWhenStopped="0">
+                <p:cTn id="7" fill="hold" display="0">
+                  <p:stCondLst>
+                    <p:cond delay="indefinite"/>
+                  </p:stCondLst>
+                  <p:endCondLst>
+                    <p:cond evt="onStopAudio" delay="0">
+                      <p:tgtEl>
+                        <p:sldTgt/>
+                      </p:tgtEl>
+                    </p:cond>
+                  </p:endCondLst>
+                </p:cTn>
+                <p:tgtEl>
+                  <p:spTgt spid="7"/>
+                </p:tgtEl>
+              </p:cMediaNode>
+            </p:audio>
+          </p:childTnLst>
+        </p:cTn>
+      </p:par>
+    </p:tnLst>
+  </p:timing>
+</p:sld>
+</file>
+
+<file path=ppt/slides/slide5.xml><?xml version="1.0" encoding="utf-8"?>
+<p:sld xmlns:a="http://schemas.openxmlformats.org/drawingml/2006/main" xmlns:r="http://schemas.openxmlformats.org/officeDocument/2006/relationships" xmlns:p="http://schemas.openxmlformats.org/presentationml/2006/main">
+  <p:cSld>
+    <p:spTree>
+      <p:nvGrpSpPr>
+        <p:cNvPr id="1" name="Shape 186"/>
+        <p:cNvGrpSpPr/>
+        <p:nvPr/>
+      </p:nvGrpSpPr>
+      <p:grpSpPr>
+        <a:xfrm>
+          <a:off x="0" y="0"/>
+          <a:ext cx="0" cy="0"/>
+          <a:chOff x="0" y="0"/>
+          <a:chExt cx="0" cy="0"/>
+        </a:xfrm>
+      </p:grpSpPr>
+      <p:sp>
+        <p:nvSpPr>
+          <p:cNvPr id="187" name="Google Shape;187;p26"/>
+          <p:cNvSpPr txBox="1">
+            <a:spLocks noGrp="1"/>
+          </p:cNvSpPr>
+          <p:nvPr>
+            <p:ph type="title"/>
+          </p:nvPr>
+        </p:nvSpPr>
+        <p:spPr>
+          <a:xfrm>
+            <a:off x="729450" y="1318650"/>
+            <a:ext cx="7688700" cy="535200"/>
+          </a:xfrm>
+          <a:prstGeom prst="rect">
+            <a:avLst/>
+          </a:prstGeom>
+        </p:spPr>
+        <p:txBody>
+          <a:bodyPr spcFirstLastPara="1" wrap="square" lIns="91425" tIns="91425" rIns="91425" bIns="91425" anchor="t" anchorCtr="0">
+            <a:noAutofit/>
+          </a:bodyPr>
+          <a:lstStyle/>
+          <a:p>
+            <a:pPr marL="0" lvl="0" indent="0" algn="l" rtl="0">
+              <a:spcBef>
+                <a:spcPts val="0"/>
+              </a:spcBef>
+              <a:spcAft>
+                <a:spcPts val="0"/>
+              </a:spcAft>
+              <a:buNone/>
+            </a:pPr>
+            <a:r>
+              <a:rPr lang="zh-CN"/>
+              <a:t>Word Embeddings using model</a:t>
+            </a:r>
+            <a:endParaRPr/>
+          </a:p>
+        </p:txBody>
+      </p:sp>
+      <p:sp>
+        <p:nvSpPr>
+          <p:cNvPr id="188" name="Google Shape;188;p26"/>
+          <p:cNvSpPr txBox="1">
+            <a:spLocks noGrp="1"/>
+          </p:cNvSpPr>
+          <p:nvPr>
+            <p:ph type="body" idx="1"/>
+          </p:nvPr>
+        </p:nvSpPr>
+        <p:spPr>
+          <a:xfrm>
+            <a:off x="729450" y="2078875"/>
+            <a:ext cx="3051300" cy="2261100"/>
+          </a:xfrm>
+          <a:prstGeom prst="rect">
+            <a:avLst/>
+          </a:prstGeom>
+        </p:spPr>
+        <p:txBody>
+          <a:bodyPr spcFirstLastPara="1" wrap="square" lIns="91425" tIns="91425" rIns="91425" bIns="91425" anchor="t" anchorCtr="0">
+            <a:noAutofit/>
+          </a:bodyPr>
+          <a:lstStyle/>
+          <a:p>
+            <a:pPr marL="0" lvl="0" indent="0" algn="l" rtl="0">
+              <a:spcBef>
+                <a:spcPts val="0"/>
+              </a:spcBef>
+              <a:spcAft>
+                <a:spcPts val="0"/>
+              </a:spcAft>
+              <a:buNone/>
+            </a:pPr>
+            <a:r>
+              <a:rPr lang="zh-CN"/>
+              <a:t>Use pre-trained model to get each article’s representation. For each article:</a:t>
+            </a:r>
+            <a:endParaRPr/>
+          </a:p>
+          <a:p>
+            <a:pPr marL="457200" lvl="0" indent="-311150" algn="l" rtl="0">
+              <a:spcBef>
+                <a:spcPts val="1600"/>
+              </a:spcBef>
+              <a:spcAft>
+                <a:spcPts val="0"/>
+              </a:spcAft>
+              <a:buSzPts val="1300"/>
+              <a:buChar char="-"/>
+            </a:pPr>
+            <a:r>
+              <a:rPr lang="zh-CN"/>
+              <a:t>a number of words in article by 300 vector is returned</a:t>
+            </a:r>
+            <a:endParaRPr/>
+          </a:p>
+        </p:txBody>
+      </p:sp>
+      <p:pic>
+        <p:nvPicPr>
+          <p:cNvPr id="189" name="Google Shape;189;p26"/>
+          <p:cNvPicPr preferRelativeResize="0"/>
+          <p:nvPr/>
+        </p:nvPicPr>
+        <p:blipFill>
+          <a:blip r:embed="rId5">
+            <a:alphaModFix/>
+          </a:blip>
+          <a:stretch>
+            <a:fillRect/>
+          </a:stretch>
+        </p:blipFill>
+        <p:spPr>
+          <a:xfrm>
+            <a:off x="4050725" y="2201450"/>
+            <a:ext cx="4920875" cy="370300"/>
+          </a:xfrm>
+          <a:prstGeom prst="rect">
+            <a:avLst/>
+          </a:prstGeom>
+          <a:noFill/>
+          <a:ln>
+            <a:noFill/>
+          </a:ln>
+          <a:effectLst>
+            <a:outerShdw blurRad="57150" dist="19050" dir="5400000" algn="bl" rotWithShape="0">
+              <a:srgbClr val="000000">
+                <a:alpha val="50000"/>
+              </a:srgbClr>
+            </a:outerShdw>
+          </a:effectLst>
+        </p:spPr>
+      </p:pic>
+      <p:pic>
+        <p:nvPicPr>
+          <p:cNvPr id="190" name="Google Shape;190;p26"/>
+          <p:cNvPicPr preferRelativeResize="0"/>
+          <p:nvPr/>
+        </p:nvPicPr>
+        <p:blipFill>
+          <a:blip r:embed="rId6">
+            <a:alphaModFix/>
+          </a:blip>
+          <a:stretch>
+            <a:fillRect/>
+          </a:stretch>
+        </p:blipFill>
+        <p:spPr>
+          <a:xfrm>
+            <a:off x="3968920" y="3024275"/>
+            <a:ext cx="5002681" cy="370300"/>
           </a:xfrm>
           <a:prstGeom prst="rect">
             <a:avLst/>
@@ -7188,7 +8568,7 @@
             <a:hlinkClick r:id="" action="ppaction://media"/>
             <a:extLst>
               <a:ext uri="{FF2B5EF4-FFF2-40B4-BE49-F238E27FC236}">
-                <a16:creationId xmlns:a16="http://schemas.microsoft.com/office/drawing/2014/main" id="{44840CFB-B405-41C6-8EC8-807F2D213FCA}"/>
+                <a16:creationId xmlns:a16="http://schemas.microsoft.com/office/drawing/2014/main" id="{2759E732-4346-40C3-A222-7704C0ABB123}"/>
               </a:ext>
             </a:extLst>
           </p:cNvPr>
@@ -7227,10 +8607,10 @@
   </p:clrMapOvr>
   <mc:AlternateContent xmlns:mc="http://schemas.openxmlformats.org/markup-compatibility/2006">
     <mc:Choice xmlns:p14="http://schemas.microsoft.com/office/powerpoint/2010/main" Requires="p14">
-      <p:transition spd="slow" p14:dur="2000" advTm="22497"/>
+      <p:transition spd="slow" p14:dur="2000" advTm="15537"/>
     </mc:Choice>
     <mc:Fallback>
-      <p:transition spd="slow" advTm="22497"/>
+      <p:transition spd="slow" advTm="15537"/>
     </mc:Fallback>
   </mc:AlternateContent>
   <p:timing>
@@ -7323,12 +8703,12 @@
 </p:sld>
 </file>
 
-<file path=ppt/slides/slide3.xml><?xml version="1.0" encoding="utf-8"?>
+<file path=ppt/slides/slide6.xml><?xml version="1.0" encoding="utf-8"?>
 <p:sld xmlns:a="http://schemas.openxmlformats.org/drawingml/2006/main" xmlns:r="http://schemas.openxmlformats.org/officeDocument/2006/relationships" xmlns:p="http://schemas.openxmlformats.org/presentationml/2006/main">
   <p:cSld>
     <p:spTree>
       <p:nvGrpSpPr>
-        <p:cNvPr id="1" name="Shape 172"/>
+        <p:cNvPr id="1" name="Shape 194"/>
         <p:cNvGrpSpPr/>
         <p:nvPr/>
       </p:nvGrpSpPr>
@@ -7342,7 +8722,7 @@
       </p:grpSpPr>
       <p:sp>
         <p:nvSpPr>
-          <p:cNvPr id="173" name="Google Shape;173;p25"/>
+          <p:cNvPr id="195" name="Google Shape;195;p27"/>
           <p:cNvSpPr txBox="1">
             <a:spLocks noGrp="1"/>
           </p:cNvSpPr>
@@ -7353,7 +8733,7 @@
         <p:spPr>
           <a:xfrm>
             <a:off x="729450" y="1318650"/>
-            <a:ext cx="7688400" cy="535200"/>
+            <a:ext cx="7688700" cy="535200"/>
           </a:xfrm>
           <a:prstGeom prst="rect">
             <a:avLst/>
@@ -7375,8 +8755,89 @@
               <a:buNone/>
             </a:pPr>
             <a:r>
+              <a:rPr lang="en-US" altLang="zh-CN" dirty="0"/>
+              <a:t>Adapt</a:t>
+            </a:r>
+            <a:r>
+              <a:rPr lang="zh-CN" dirty="0"/>
+              <a:t> for scikit-learn algorithms</a:t>
+            </a:r>
+            <a:endParaRPr dirty="0"/>
+          </a:p>
+        </p:txBody>
+      </p:sp>
+      <p:sp>
+        <p:nvSpPr>
+          <p:cNvPr id="196" name="Google Shape;196;p27"/>
+          <p:cNvSpPr txBox="1">
+            <a:spLocks noGrp="1"/>
+          </p:cNvSpPr>
+          <p:nvPr>
+            <p:ph type="body" idx="1"/>
+          </p:nvPr>
+        </p:nvSpPr>
+        <p:spPr>
+          <a:xfrm>
+            <a:off x="729450" y="2078875"/>
+            <a:ext cx="2922600" cy="2261100"/>
+          </a:xfrm>
+          <a:prstGeom prst="rect">
+            <a:avLst/>
+          </a:prstGeom>
+        </p:spPr>
+        <p:txBody>
+          <a:bodyPr spcFirstLastPara="1" wrap="square" lIns="91425" tIns="91425" rIns="91425" bIns="91425" anchor="t" anchorCtr="0">
+            <a:noAutofit/>
+          </a:bodyPr>
+          <a:lstStyle/>
+          <a:p>
+            <a:pPr marL="457200" lvl="0" indent="-311150" algn="l" rtl="0">
+              <a:spcBef>
+                <a:spcPts val="0"/>
+              </a:spcBef>
+              <a:spcAft>
+                <a:spcPts val="0"/>
+              </a:spcAft>
+              <a:buSzPts val="1300"/>
+              <a:buChar char="-"/>
+            </a:pPr>
+            <a:r>
               <a:rPr lang="zh-CN"/>
-              <a:t>Word Embedding Techniques - Word2Vec</a:t>
+              <a:t>For each article, average over the article words to get a 300 long vector representation</a:t>
+            </a:r>
+            <a:endParaRPr/>
+          </a:p>
+          <a:p>
+            <a:pPr marL="457200" lvl="0" indent="-311150" algn="l" rtl="0">
+              <a:spcBef>
+                <a:spcPts val="0"/>
+              </a:spcBef>
+              <a:spcAft>
+                <a:spcPts val="0"/>
+              </a:spcAft>
+              <a:buSzPts val="1300"/>
+              <a:buChar char="-"/>
+            </a:pPr>
+            <a:r>
+              <a:rPr lang="zh-CN"/>
+              <a:t>Combine all articles into a number of articles by 300 array</a:t>
+            </a:r>
+            <a:endParaRPr/>
+          </a:p>
+          <a:p>
+            <a:pPr marL="457200" lvl="0" indent="-311150" algn="l" rtl="0">
+              <a:spcBef>
+                <a:spcPts val="0"/>
+              </a:spcBef>
+              <a:spcAft>
+                <a:spcPts val="0"/>
+              </a:spcAft>
+              <a:buSzPts val="1300"/>
+              <a:buChar char="-"/>
+            </a:pPr>
+            <a:r>
+              <a:rPr lang="zh-CN"/>
+              <a:t>Merge it with the rest of the original dataset</a:t>
             </a:r>
             <a:endParaRPr/>
           </a:p>
@@ -7384,7 +8845,7 @@
       </p:sp>
       <p:pic>
         <p:nvPicPr>
-          <p:cNvPr id="174" name="Google Shape;174;p25"/>
+          <p:cNvPr id="197" name="Google Shape;197;p27"/>
           <p:cNvPicPr preferRelativeResize="0"/>
           <p:nvPr/>
         </p:nvPicPr>
@@ -7398,8 +8859,8 @@
         </p:blipFill>
         <p:spPr>
           <a:xfrm>
-            <a:off x="514600" y="2158650"/>
-            <a:ext cx="7577276" cy="2929326"/>
+            <a:off x="3904550" y="2078875"/>
+            <a:ext cx="5148276" cy="262300"/>
           </a:xfrm>
           <a:prstGeom prst="rect">
             <a:avLst/>
@@ -7419,7 +8880,7 @@
       </p:pic>
       <p:pic>
         <p:nvPicPr>
-          <p:cNvPr id="175" name="Google Shape;175;p25"/>
+          <p:cNvPr id="198" name="Google Shape;198;p27"/>
           <p:cNvPicPr preferRelativeResize="0"/>
           <p:nvPr/>
         </p:nvPicPr>
@@ -7433,8 +8894,8 @@
         </p:blipFill>
         <p:spPr>
           <a:xfrm>
-            <a:off x="390888" y="1934075"/>
-            <a:ext cx="8362224" cy="224575"/>
+            <a:off x="4102150" y="2443350"/>
+            <a:ext cx="4182675" cy="421750"/>
           </a:xfrm>
           <a:prstGeom prst="rect">
             <a:avLst/>
@@ -7454,11 +8915,116 @@
       </p:pic>
       <p:pic>
         <p:nvPicPr>
-          <p:cNvPr id="9" name="Audio 8">
+          <p:cNvPr id="199" name="Google Shape;199;p27"/>
+          <p:cNvPicPr preferRelativeResize="0"/>
+          <p:nvPr/>
+        </p:nvPicPr>
+        <p:blipFill>
+          <a:blip r:embed="rId7">
+            <a:alphaModFix/>
+          </a:blip>
+          <a:stretch>
+            <a:fillRect/>
+          </a:stretch>
+        </p:blipFill>
+        <p:spPr>
+          <a:xfrm>
+            <a:off x="4102150" y="3604650"/>
+            <a:ext cx="4182676" cy="432525"/>
+          </a:xfrm>
+          <a:prstGeom prst="rect">
+            <a:avLst/>
+          </a:prstGeom>
+          <a:noFill/>
+          <a:ln>
+            <a:noFill/>
+          </a:ln>
+          <a:effectLst>
+            <a:outerShdw blurRad="57150" dist="19050" dir="5400000" algn="bl" rotWithShape="0">
+              <a:srgbClr val="000000">
+                <a:alpha val="50000"/>
+              </a:srgbClr>
+            </a:outerShdw>
+          </a:effectLst>
+        </p:spPr>
+      </p:pic>
+      <p:pic>
+        <p:nvPicPr>
+          <p:cNvPr id="200" name="Google Shape;200;p27"/>
+          <p:cNvPicPr preferRelativeResize="0"/>
+          <p:nvPr/>
+        </p:nvPicPr>
+        <p:blipFill>
+          <a:blip r:embed="rId8">
+            <a:alphaModFix/>
+          </a:blip>
+          <a:stretch>
+            <a:fillRect/>
+          </a:stretch>
+        </p:blipFill>
+        <p:spPr>
+          <a:xfrm>
+            <a:off x="4200049" y="2967275"/>
+            <a:ext cx="3438863" cy="535200"/>
+          </a:xfrm>
+          <a:prstGeom prst="rect">
+            <a:avLst/>
+          </a:prstGeom>
+          <a:noFill/>
+          <a:ln>
+            <a:noFill/>
+          </a:ln>
+          <a:effectLst>
+            <a:outerShdw blurRad="57150" dist="19050" dir="5400000" algn="bl" rotWithShape="0">
+              <a:srgbClr val="000000">
+                <a:alpha val="50000"/>
+              </a:srgbClr>
+            </a:outerShdw>
+          </a:effectLst>
+        </p:spPr>
+      </p:pic>
+      <p:pic>
+        <p:nvPicPr>
+          <p:cNvPr id="201" name="Google Shape;201;p27"/>
+          <p:cNvPicPr preferRelativeResize="0"/>
+          <p:nvPr/>
+        </p:nvPicPr>
+        <p:blipFill>
+          <a:blip r:embed="rId9">
+            <a:alphaModFix/>
+          </a:blip>
+          <a:stretch>
+            <a:fillRect/>
+          </a:stretch>
+        </p:blipFill>
+        <p:spPr>
+          <a:xfrm>
+            <a:off x="1620450" y="3982425"/>
+            <a:ext cx="5555551" cy="1107351"/>
+          </a:xfrm>
+          <a:prstGeom prst="rect">
+            <a:avLst/>
+          </a:prstGeom>
+          <a:noFill/>
+          <a:ln>
+            <a:noFill/>
+          </a:ln>
+          <a:effectLst>
+            <a:outerShdw blurRad="57150" dist="19050" dir="5400000" algn="bl" rotWithShape="0">
+              <a:srgbClr val="000000">
+                <a:alpha val="50000"/>
+              </a:srgbClr>
+            </a:outerShdw>
+          </a:effectLst>
+        </p:spPr>
+      </p:pic>
+      <p:pic>
+        <p:nvPicPr>
+          <p:cNvPr id="7" name="Audio 6">
             <a:hlinkClick r:id="" action="ppaction://media"/>
             <a:extLst>
               <a:ext uri="{FF2B5EF4-FFF2-40B4-BE49-F238E27FC236}">
-                <a16:creationId xmlns:a16="http://schemas.microsoft.com/office/drawing/2014/main" id="{29033C88-3C9C-4EF1-A31F-9E2C372CFF0A}"/>
+                <a16:creationId xmlns:a16="http://schemas.microsoft.com/office/drawing/2014/main" id="{4A23FF74-E737-40CB-A1F2-CA7BF452C5DF}"/>
               </a:ext>
             </a:extLst>
           </p:cNvPr>
@@ -7475,7 +9041,7 @@
           </p:nvPr>
         </p:nvPicPr>
         <p:blipFill>
-          <a:blip r:embed="rId7"/>
+          <a:blip r:embed="rId10"/>
           <a:stretch>
             <a:fillRect/>
           </a:stretch>
@@ -7495,12 +9061,12 @@
   <p:clrMapOvr>
     <a:masterClrMapping/>
   </p:clrMapOvr>
-  <mc:AlternateContent xmlns:mc="http://schemas.openxmlformats.org/markup-compatibility/2006" xmlns:p14="http://schemas.microsoft.com/office/powerpoint/2010/main">
-    <mc:Choice Requires="p14">
-      <p:transition spd="slow" p14:dur="2000" advTm="63095"/>
+  <mc:AlternateContent xmlns:mc="http://schemas.openxmlformats.org/markup-compatibility/2006">
+    <mc:Choice xmlns:p14="http://schemas.microsoft.com/office/powerpoint/2010/main" Requires="p14">
+      <p:transition spd="slow" p14:dur="2000" advTm="32151"/>
     </mc:Choice>
-    <mc:Fallback xmlns="">
-      <p:transition spd="slow" advTm="63095"/>
+    <mc:Fallback>
+      <p:transition spd="slow" advTm="32151"/>
     </mc:Fallback>
   </mc:AlternateContent>
   <p:timing>
@@ -7536,7 +9102,7 @@
                                       <p:cBhvr>
                                         <p:cTn id="6" dur="1" fill="hold"/>
                                         <p:tgtEl>
-                                          <p:spTgt spid="9"/>
+                                          <p:spTgt spid="7"/>
                                         </p:tgtEl>
                                       </p:cBhvr>
                                     </p:cmd>
@@ -7581,7 +9147,7 @@
                   </p:endCondLst>
                 </p:cTn>
                 <p:tgtEl>
-                  <p:spTgt spid="9"/>
+                  <p:spTgt spid="7"/>
                 </p:tgtEl>
               </p:cMediaNode>
             </p:audio>
